--- a/Leçon chimie/LC 18/Binaire.pptx
+++ b/Leçon chimie/LC 18/Binaire.pptx
@@ -7,19 +7,21 @@
     <p:sldMasterId id="2147483709" r:id="rId3"/>
   </p:sldMasterIdLst>
   <p:notesMasterIdLst>
-    <p:notesMasterId r:id="rId14"/>
+    <p:notesMasterId r:id="rId16"/>
   </p:notesMasterIdLst>
   <p:sldIdLst>
     <p:sldId id="263" r:id="rId4"/>
     <p:sldId id="261" r:id="rId5"/>
-    <p:sldId id="264" r:id="rId6"/>
-    <p:sldId id="265" r:id="rId7"/>
-    <p:sldId id="266" r:id="rId8"/>
-    <p:sldId id="267" r:id="rId9"/>
-    <p:sldId id="268" r:id="rId10"/>
-    <p:sldId id="269" r:id="rId11"/>
-    <p:sldId id="262" r:id="rId12"/>
-    <p:sldId id="270" r:id="rId13"/>
+    <p:sldId id="271" r:id="rId6"/>
+    <p:sldId id="264" r:id="rId7"/>
+    <p:sldId id="265" r:id="rId8"/>
+    <p:sldId id="266" r:id="rId9"/>
+    <p:sldId id="267" r:id="rId10"/>
+    <p:sldId id="268" r:id="rId11"/>
+    <p:sldId id="272" r:id="rId12"/>
+    <p:sldId id="269" r:id="rId13"/>
+    <p:sldId id="262" r:id="rId14"/>
+    <p:sldId id="270" r:id="rId15"/>
   </p:sldIdLst>
   <p:sldSz cx="9144000" cy="5145088"/>
   <p:notesSz cx="7559675" cy="10691813"/>
@@ -120,7 +122,7 @@
   </p:defaultTextStyle>
   <p:extLst>
     <p:ext uri="{EFAFB233-063F-42B5-8137-9DF3F51BA10A}">
-      <p15:sldGuideLst xmlns="" xmlns:p15="http://schemas.microsoft.com/office/powerpoint/2012/main"/>
+      <p15:sldGuideLst xmlns:p15="http://schemas.microsoft.com/office/powerpoint/2012/main" xmlns=""/>
     </p:ext>
   </p:extLst>
 </p:presentation>
@@ -208,7 +210,7 @@
           <a:p>
             <a:fld id="{E92782F5-A916-4653-9283-0B21DAE59FD2}" type="datetimeFigureOut">
               <a:rPr lang="fr-FR" smtClean="0"/>
-              <a:t>08/05/20</a:t>
+              <a:t>22/06/20</a:t>
             </a:fld>
             <a:endParaRPr lang="fr-FR"/>
           </a:p>
@@ -525,7 +527,7 @@
           <p:cNvPr id="11" name="Title Placeholder 1">
             <a:extLst>
               <a:ext uri="{FF2B5EF4-FFF2-40B4-BE49-F238E27FC236}">
-                <a16:creationId xmlns="" xmlns:a16="http://schemas.microsoft.com/office/drawing/2014/main" id="{0AEBC926-49BC-4890-ADE2-C02F78541D3B}"/>
+                <a16:creationId xmlns:a16="http://schemas.microsoft.com/office/drawing/2014/main" xmlns="" id="{0AEBC926-49BC-4890-ADE2-C02F78541D3B}"/>
               </a:ext>
             </a:extLst>
           </p:cNvPr>
@@ -568,7 +570,7 @@
           <p:cNvPr id="2" name="ZoneTexte 1">
             <a:extLst>
               <a:ext uri="{FF2B5EF4-FFF2-40B4-BE49-F238E27FC236}">
-                <a16:creationId xmlns="" xmlns:a16="http://schemas.microsoft.com/office/drawing/2014/main" id="{A7C32FB1-E2FF-4CF3-95D1-5E311C2865EA}"/>
+                <a16:creationId xmlns:a16="http://schemas.microsoft.com/office/drawing/2014/main" xmlns="" id="{A7C32FB1-E2FF-4CF3-95D1-5E311C2865EA}"/>
               </a:ext>
             </a:extLst>
           </p:cNvPr>
@@ -830,7 +832,7 @@
           <a:p>
             <a:fld id="{AD211D6D-C1B6-6242-8A66-3335B84D0A30}" type="datetime1">
               <a:rPr lang="fr-FR" smtClean="0"/>
-              <a:t>08/05/20</a:t>
+              <a:t>22/06/20</a:t>
             </a:fld>
             <a:endParaRPr lang="fr-FR"/>
           </a:p>
@@ -946,7 +948,7 @@
           <p:cNvPr id="8" name="Title Placeholder 1">
             <a:extLst>
               <a:ext uri="{FF2B5EF4-FFF2-40B4-BE49-F238E27FC236}">
-                <a16:creationId xmlns="" xmlns:a16="http://schemas.microsoft.com/office/drawing/2014/main" id="{5FE470C6-3407-4B39-9256-D7CBAE76B648}"/>
+                <a16:creationId xmlns:a16="http://schemas.microsoft.com/office/drawing/2014/main" xmlns="" id="{5FE470C6-3407-4B39-9256-D7CBAE76B648}"/>
               </a:ext>
             </a:extLst>
           </p:cNvPr>
@@ -993,7 +995,7 @@
           <p:cNvPr id="11" name="ZoneTexte 10">
             <a:extLst>
               <a:ext uri="{FF2B5EF4-FFF2-40B4-BE49-F238E27FC236}">
-                <a16:creationId xmlns="" xmlns:a16="http://schemas.microsoft.com/office/drawing/2014/main" id="{893E4BC1-6F4E-4747-84E8-D99E0587545F}"/>
+                <a16:creationId xmlns:a16="http://schemas.microsoft.com/office/drawing/2014/main" xmlns="" id="{893E4BC1-6F4E-4747-84E8-D99E0587545F}"/>
               </a:ext>
             </a:extLst>
           </p:cNvPr>
@@ -1128,7 +1130,7 @@
           <a:p>
             <a:fld id="{709E148A-83D8-4982-A416-989443033FB2}" type="datetime1">
               <a:rPr lang="fr-FR" smtClean="0"/>
-              <a:t>08/05/20</a:t>
+              <a:t>22/06/20</a:t>
             </a:fld>
             <a:endParaRPr lang="fr-FR"/>
           </a:p>
@@ -1319,7 +1321,7 @@
           <p:cNvPr id="7" name="Connecteur droit 6">
             <a:extLst>
               <a:ext uri="{FF2B5EF4-FFF2-40B4-BE49-F238E27FC236}">
-                <a16:creationId xmlns="" xmlns:a16="http://schemas.microsoft.com/office/drawing/2014/main" id="{C9E5BD84-DC66-4CA9-B14F-F778A3BA3AF2}"/>
+                <a16:creationId xmlns:a16="http://schemas.microsoft.com/office/drawing/2014/main" xmlns="" id="{C9E5BD84-DC66-4CA9-B14F-F778A3BA3AF2}"/>
               </a:ext>
             </a:extLst>
           </p:cNvPr>
@@ -1363,7 +1365,7 @@
           <p:cNvPr id="8" name="Title Placeholder 1">
             <a:extLst>
               <a:ext uri="{FF2B5EF4-FFF2-40B4-BE49-F238E27FC236}">
-                <a16:creationId xmlns="" xmlns:a16="http://schemas.microsoft.com/office/drawing/2014/main" id="{5FE470C6-3407-4B39-9256-D7CBAE76B648}"/>
+                <a16:creationId xmlns:a16="http://schemas.microsoft.com/office/drawing/2014/main" xmlns="" id="{5FE470C6-3407-4B39-9256-D7CBAE76B648}"/>
               </a:ext>
             </a:extLst>
           </p:cNvPr>
@@ -2983,7 +2985,7 @@
           <p:cNvPr id="2" name="Titre 1">
             <a:extLst>
               <a:ext uri="{FF2B5EF4-FFF2-40B4-BE49-F238E27FC236}">
-                <a16:creationId xmlns:a16="http://schemas.microsoft.com/office/drawing/2014/main" xmlns="" id="{BCE1A1D2-AF98-4C6D-9648-574716453EC7}"/>
+                <a16:creationId xmlns="" xmlns:a16="http://schemas.microsoft.com/office/drawing/2014/main" id="{D1044136-A0C9-48BA-B304-1DAFA461FA49}"/>
               </a:ext>
             </a:extLst>
           </p:cNvPr>
@@ -2994,36 +2996,52 @@
             <p:ph type="title"/>
           </p:nvPr>
         </p:nvSpPr>
-        <p:spPr/>
+        <p:spPr>
+          <a:xfrm>
+            <a:off x="567321" y="449566"/>
+            <a:ext cx="7543800" cy="457748"/>
+          </a:xfrm>
+        </p:spPr>
         <p:txBody>
           <a:bodyPr>
-            <a:noAutofit/>
+            <a:normAutofit fontScale="90000"/>
           </a:bodyPr>
           <a:lstStyle/>
           <a:p>
             <a:r>
-              <a:rPr lang="fr-FR" sz="2900" dirty="0">
+              <a:rPr lang="fr-FR" sz="3100" dirty="0">
                 <a:solidFill>
                   <a:srgbClr val="CF8182"/>
                 </a:solidFill>
               </a:rPr>
-              <a:t>Diagramme binaire </a:t>
-            </a:r>
-            <a:r>
-              <a:rPr lang="fr-FR" sz="2900" dirty="0" err="1">
+              <a:t>Diagramme</a:t>
+            </a:r>
+            <a:r>
+              <a:rPr lang="fr-FR" dirty="0"/>
+              <a:t> </a:t>
+            </a:r>
+            <a:r>
+              <a:rPr lang="fr-FR" sz="3100" dirty="0">
                 <a:solidFill>
                   <a:srgbClr val="CF8182"/>
                 </a:solidFill>
               </a:rPr>
-              <a:t>NaCl</a:t>
-            </a:r>
-            <a:r>
-              <a:rPr lang="fr-FR" sz="2900" dirty="0">
+              <a:t>binaire Pb/Sn</a:t>
+            </a:r>
+            <a:br>
+              <a:rPr lang="fr-FR" sz="3100" dirty="0">
                 <a:solidFill>
                   <a:srgbClr val="CF8182"/>
                 </a:solidFill>
               </a:rPr>
-              <a:t>/H2O</a:t>
+            </a:br>
+            <a:r>
+              <a:rPr lang="fr-FR" sz="3100" dirty="0">
+                <a:solidFill>
+                  <a:srgbClr val="CF8182"/>
+                </a:solidFill>
+              </a:rPr>
+              <a:t>Solides non-miscibles</a:t>
             </a:r>
           </a:p>
         </p:txBody>
@@ -3033,7 +3051,7 @@
           <p:cNvPr id="3" name="Espace réservé du numéro de diapositive 2">
             <a:extLst>
               <a:ext uri="{FF2B5EF4-FFF2-40B4-BE49-F238E27FC236}">
-                <a16:creationId xmlns:a16="http://schemas.microsoft.com/office/drawing/2014/main" xmlns="" id="{9675A0BC-7A8F-4E8F-8577-1A2D3AFD894E}"/>
+                <a16:creationId xmlns="" xmlns:a16="http://schemas.microsoft.com/office/drawing/2014/main" id="{51E1CC5A-AD1A-4051-957C-200707303F1A}"/>
               </a:ext>
             </a:extLst>
           </p:cNvPr>
@@ -3053,7 +3071,7 @@
               <a:rPr lang="fr-FR" smtClean="0"/>
               <a:t>10</a:t>
             </a:fld>
-            <a:endParaRPr lang="fr-FR"/>
+            <a:endParaRPr lang="fr-FR" dirty="0"/>
           </a:p>
         </p:txBody>
       </p:sp>
@@ -3062,7 +3080,7 @@
           <p:cNvPr id="4" name="Image 3">
             <a:extLst>
               <a:ext uri="{FF2B5EF4-FFF2-40B4-BE49-F238E27FC236}">
-                <a16:creationId xmlns:a16="http://schemas.microsoft.com/office/drawing/2014/main" xmlns="" id="{C747CABD-CB81-4CEA-A728-D88E175939B6}"/>
+                <a16:creationId xmlns="" xmlns:a16="http://schemas.microsoft.com/office/drawing/2014/main" id="{EFA45FB8-B50C-4F91-B8B2-40381D959541}"/>
               </a:ext>
             </a:extLst>
           </p:cNvPr>
@@ -3079,8 +3097,8 @@
         </p:blipFill>
         <p:spPr>
           <a:xfrm>
-            <a:off x="2710312" y="1603490"/>
-            <a:ext cx="3723377" cy="2850615"/>
+            <a:off x="1486742" y="1385880"/>
+            <a:ext cx="6216235" cy="3377996"/>
           </a:xfrm>
           <a:prstGeom prst="rect">
             <a:avLst/>
@@ -3089,10 +3107,945 @@
       </p:pic>
       <p:sp>
         <p:nvSpPr>
+          <p:cNvPr id="5" name="ZoneTexte 4"/>
+          <p:cNvSpPr txBox="1"/>
+          <p:nvPr/>
+        </p:nvSpPr>
+        <p:spPr>
+          <a:xfrm>
+            <a:off x="5319662" y="2157940"/>
+            <a:ext cx="399639" cy="246221"/>
+          </a:xfrm>
+          <a:prstGeom prst="rect">
+            <a:avLst/>
+          </a:prstGeom>
+          <a:solidFill>
+            <a:srgbClr val="FFFFFF"/>
+          </a:solidFill>
+        </p:spPr>
+        <p:txBody>
+          <a:bodyPr wrap="square" rtlCol="0">
+            <a:spAutoFit/>
+          </a:bodyPr>
+          <a:lstStyle/>
+          <a:p>
+            <a:r>
+              <a:rPr lang="fr-FR" sz="1000" dirty="0" smtClean="0"/>
+              <a:t>325</a:t>
+            </a:r>
+            <a:endParaRPr lang="fr-FR" sz="1000" dirty="0"/>
+          </a:p>
+        </p:txBody>
+      </p:sp>
+      <p:sp>
+        <p:nvSpPr>
+          <p:cNvPr id="7" name="ZoneTexte 6"/>
+          <p:cNvSpPr txBox="1"/>
+          <p:nvPr/>
+        </p:nvSpPr>
+        <p:spPr>
+          <a:xfrm>
+            <a:off x="6937411" y="2541231"/>
+            <a:ext cx="399639" cy="246221"/>
+          </a:xfrm>
+          <a:prstGeom prst="rect">
+            <a:avLst/>
+          </a:prstGeom>
+          <a:solidFill>
+            <a:srgbClr val="FFFFFF"/>
+          </a:solidFill>
+        </p:spPr>
+        <p:txBody>
+          <a:bodyPr wrap="square" rtlCol="0">
+            <a:spAutoFit/>
+          </a:bodyPr>
+          <a:lstStyle/>
+          <a:p>
+            <a:r>
+              <a:rPr lang="fr-FR" sz="1000" dirty="0" smtClean="0"/>
+              <a:t>273</a:t>
+            </a:r>
+            <a:endParaRPr lang="fr-FR" sz="1000" dirty="0"/>
+          </a:p>
+        </p:txBody>
+      </p:sp>
+      <p:sp>
+        <p:nvSpPr>
+          <p:cNvPr id="8" name="ZoneTexte 7"/>
+          <p:cNvSpPr txBox="1"/>
+          <p:nvPr/>
+        </p:nvSpPr>
+        <p:spPr>
+          <a:xfrm>
+            <a:off x="5846484" y="4141139"/>
+            <a:ext cx="441195" cy="246221"/>
+          </a:xfrm>
+          <a:prstGeom prst="rect">
+            <a:avLst/>
+          </a:prstGeom>
+          <a:solidFill>
+            <a:srgbClr val="FFFFFF"/>
+          </a:solidFill>
+        </p:spPr>
+        <p:txBody>
+          <a:bodyPr wrap="square" rtlCol="0">
+            <a:spAutoFit/>
+          </a:bodyPr>
+          <a:lstStyle/>
+          <a:p>
+            <a:r>
+              <a:rPr lang="fr-FR" sz="1000" dirty="0" smtClean="0"/>
+              <a:t>0,38</a:t>
+            </a:r>
+            <a:endParaRPr lang="fr-FR" sz="1000" dirty="0"/>
+          </a:p>
+        </p:txBody>
+      </p:sp>
+      <p:sp>
+        <p:nvSpPr>
+          <p:cNvPr id="10" name="ZoneTexte 9"/>
+          <p:cNvSpPr txBox="1"/>
+          <p:nvPr/>
+        </p:nvSpPr>
+        <p:spPr>
+          <a:xfrm>
+            <a:off x="7231906" y="4034572"/>
+            <a:ext cx="583289" cy="246221"/>
+          </a:xfrm>
+          <a:prstGeom prst="rect">
+            <a:avLst/>
+          </a:prstGeom>
+          <a:solidFill>
+            <a:srgbClr val="FFFFFF"/>
+          </a:solidFill>
+        </p:spPr>
+        <p:txBody>
+          <a:bodyPr wrap="square" rtlCol="0">
+            <a:spAutoFit/>
+          </a:bodyPr>
+          <a:lstStyle/>
+          <a:p>
+            <a:r>
+              <a:rPr lang="fr-FR" sz="1000" dirty="0"/>
+              <a:t>w</a:t>
+            </a:r>
+            <a:r>
+              <a:rPr lang="fr-FR" sz="1000" dirty="0" smtClean="0"/>
+              <a:t>(Pb)</a:t>
+            </a:r>
+            <a:endParaRPr lang="fr-FR" sz="1000" dirty="0"/>
+          </a:p>
+        </p:txBody>
+      </p:sp>
+      <p:sp>
+        <p:nvSpPr>
+          <p:cNvPr id="12" name="ZoneTexte 11"/>
+          <p:cNvSpPr txBox="1"/>
+          <p:nvPr/>
+        </p:nvSpPr>
+        <p:spPr>
+          <a:xfrm>
+            <a:off x="6725694" y="4256583"/>
+            <a:ext cx="399639" cy="246221"/>
+          </a:xfrm>
+          <a:prstGeom prst="rect">
+            <a:avLst/>
+          </a:prstGeom>
+          <a:solidFill>
+            <a:srgbClr val="FFFFFF"/>
+          </a:solidFill>
+        </p:spPr>
+        <p:txBody>
+          <a:bodyPr wrap="square" rtlCol="0">
+            <a:spAutoFit/>
+          </a:bodyPr>
+          <a:lstStyle/>
+          <a:p>
+            <a:r>
+              <a:rPr lang="fr-FR" sz="1000" dirty="0" smtClean="0"/>
+              <a:t>Pb</a:t>
+            </a:r>
+            <a:endParaRPr lang="fr-FR" sz="1000" dirty="0"/>
+          </a:p>
+        </p:txBody>
+      </p:sp>
+      <p:sp>
+        <p:nvSpPr>
+          <p:cNvPr id="14" name="ZoneTexte 13"/>
+          <p:cNvSpPr txBox="1"/>
+          <p:nvPr/>
+        </p:nvSpPr>
+        <p:spPr>
+          <a:xfrm>
+            <a:off x="5171536" y="4292105"/>
+            <a:ext cx="399639" cy="246221"/>
+          </a:xfrm>
+          <a:prstGeom prst="rect">
+            <a:avLst/>
+          </a:prstGeom>
+          <a:solidFill>
+            <a:srgbClr val="FFFFFF"/>
+          </a:solidFill>
+        </p:spPr>
+        <p:txBody>
+          <a:bodyPr wrap="square" rtlCol="0">
+            <a:spAutoFit/>
+          </a:bodyPr>
+          <a:lstStyle/>
+          <a:p>
+            <a:r>
+              <a:rPr lang="fr-FR" sz="1000" dirty="0" smtClean="0"/>
+              <a:t>Sn</a:t>
+            </a:r>
+            <a:endParaRPr lang="fr-FR" sz="1000" dirty="0"/>
+          </a:p>
+        </p:txBody>
+      </p:sp>
+      <p:sp>
+        <p:nvSpPr>
+          <p:cNvPr id="15" name="ZoneTexte 14"/>
+          <p:cNvSpPr txBox="1"/>
+          <p:nvPr/>
+        </p:nvSpPr>
+        <p:spPr>
+          <a:xfrm>
+            <a:off x="5677748" y="3777041"/>
+            <a:ext cx="885239" cy="246221"/>
+          </a:xfrm>
+          <a:prstGeom prst="rect">
+            <a:avLst/>
+          </a:prstGeom>
+          <a:solidFill>
+            <a:srgbClr val="FFFFFF"/>
+          </a:solidFill>
+        </p:spPr>
+        <p:txBody>
+          <a:bodyPr wrap="square" rtlCol="0">
+            <a:spAutoFit/>
+          </a:bodyPr>
+          <a:lstStyle/>
+          <a:p>
+            <a:r>
+              <a:rPr lang="fr-FR" sz="1000" dirty="0" smtClean="0"/>
+              <a:t>Sn(s) +Pb(s)</a:t>
+            </a:r>
+            <a:endParaRPr lang="fr-FR" sz="1000" dirty="0"/>
+          </a:p>
+        </p:txBody>
+      </p:sp>
+      <p:sp>
+        <p:nvSpPr>
+          <p:cNvPr id="16" name="ZoneTexte 15"/>
+          <p:cNvSpPr txBox="1"/>
+          <p:nvPr/>
+        </p:nvSpPr>
+        <p:spPr>
+          <a:xfrm>
+            <a:off x="6468147" y="3182054"/>
+            <a:ext cx="399639" cy="215444"/>
+          </a:xfrm>
+          <a:prstGeom prst="rect">
+            <a:avLst/>
+          </a:prstGeom>
+          <a:solidFill>
+            <a:srgbClr val="FFFFFF"/>
+          </a:solidFill>
+        </p:spPr>
+        <p:txBody>
+          <a:bodyPr wrap="square" rtlCol="0">
+            <a:spAutoFit/>
+          </a:bodyPr>
+          <a:lstStyle/>
+          <a:p>
+            <a:r>
+              <a:rPr lang="fr-FR" sz="800" dirty="0" smtClean="0"/>
+              <a:t>Pb(s)</a:t>
+            </a:r>
+            <a:endParaRPr lang="fr-FR" sz="800" dirty="0"/>
+          </a:p>
+        </p:txBody>
+      </p:sp>
+      <p:sp>
+        <p:nvSpPr>
+          <p:cNvPr id="17" name="ZoneTexte 16"/>
+          <p:cNvSpPr txBox="1"/>
+          <p:nvPr/>
+        </p:nvSpPr>
+        <p:spPr>
+          <a:xfrm>
+            <a:off x="5293018" y="3137645"/>
+            <a:ext cx="461807" cy="215444"/>
+          </a:xfrm>
+          <a:prstGeom prst="rect">
+            <a:avLst/>
+          </a:prstGeom>
+          <a:solidFill>
+            <a:srgbClr val="FFFFFF"/>
+          </a:solidFill>
+          <a:effectLst/>
+        </p:spPr>
+        <p:txBody>
+          <a:bodyPr wrap="square" rtlCol="0">
+            <a:spAutoFit/>
+          </a:bodyPr>
+          <a:lstStyle/>
+          <a:p>
+            <a:r>
+              <a:rPr lang="fr-FR" sz="800" dirty="0" smtClean="0"/>
+              <a:t>Sn(s)</a:t>
+            </a:r>
+            <a:endParaRPr lang="fr-FR" sz="800" dirty="0"/>
+          </a:p>
+        </p:txBody>
+      </p:sp>
+      <p:cxnSp>
+        <p:nvCxnSpPr>
+          <p:cNvPr id="19" name="Connecteur droit 18"/>
+          <p:cNvCxnSpPr/>
+          <p:nvPr/>
+        </p:nvCxnSpPr>
+        <p:spPr>
+          <a:xfrm>
+            <a:off x="5666015" y="2157940"/>
+            <a:ext cx="0" cy="328575"/>
+          </a:xfrm>
+          <a:prstGeom prst="line">
+            <a:avLst/>
+          </a:prstGeom>
+          <a:ln w="9525" cmpd="sng">
+            <a:solidFill>
+              <a:schemeClr val="tx1"/>
+            </a:solidFill>
+            <a:prstDash val="dash"/>
+          </a:ln>
+        </p:spPr>
+        <p:style>
+          <a:lnRef idx="2">
+            <a:schemeClr val="accent1"/>
+          </a:lnRef>
+          <a:fillRef idx="0">
+            <a:schemeClr val="accent1"/>
+          </a:fillRef>
+          <a:effectRef idx="1">
+            <a:schemeClr val="accent1"/>
+          </a:effectRef>
+          <a:fontRef idx="minor">
+            <a:schemeClr val="tx1"/>
+          </a:fontRef>
+        </p:style>
+      </p:cxnSp>
+      <p:cxnSp>
+        <p:nvCxnSpPr>
+          <p:cNvPr id="20" name="Connecteur droit 19"/>
+          <p:cNvCxnSpPr/>
+          <p:nvPr/>
+        </p:nvCxnSpPr>
+        <p:spPr>
+          <a:xfrm>
+            <a:off x="5694082" y="3740086"/>
+            <a:ext cx="0" cy="328575"/>
+          </a:xfrm>
+          <a:prstGeom prst="line">
+            <a:avLst/>
+          </a:prstGeom>
+          <a:ln w="9525" cmpd="sng">
+            <a:solidFill>
+              <a:schemeClr val="tx1"/>
+            </a:solidFill>
+            <a:prstDash val="dash"/>
+          </a:ln>
+        </p:spPr>
+        <p:style>
+          <a:lnRef idx="2">
+            <a:schemeClr val="accent1"/>
+          </a:lnRef>
+          <a:fillRef idx="0">
+            <a:schemeClr val="accent1"/>
+          </a:fillRef>
+          <a:effectRef idx="1">
+            <a:schemeClr val="accent1"/>
+          </a:effectRef>
+          <a:fontRef idx="minor">
+            <a:schemeClr val="tx1"/>
+          </a:fontRef>
+        </p:style>
+      </p:cxnSp>
+      <p:cxnSp>
+        <p:nvCxnSpPr>
+          <p:cNvPr id="21" name="Connecteur droit 20"/>
+          <p:cNvCxnSpPr/>
+          <p:nvPr/>
+        </p:nvCxnSpPr>
+        <p:spPr>
+          <a:xfrm>
+            <a:off x="6388219" y="3750400"/>
+            <a:ext cx="0" cy="328575"/>
+          </a:xfrm>
+          <a:prstGeom prst="line">
+            <a:avLst/>
+          </a:prstGeom>
+          <a:ln w="9525" cmpd="sng">
+            <a:solidFill>
+              <a:schemeClr val="tx1"/>
+            </a:solidFill>
+            <a:prstDash val="dash"/>
+          </a:ln>
+        </p:spPr>
+        <p:style>
+          <a:lnRef idx="2">
+            <a:schemeClr val="accent1"/>
+          </a:lnRef>
+          <a:fillRef idx="0">
+            <a:schemeClr val="accent1"/>
+          </a:fillRef>
+          <a:effectRef idx="1">
+            <a:schemeClr val="accent1"/>
+          </a:effectRef>
+          <a:fontRef idx="minor">
+            <a:schemeClr val="tx1"/>
+          </a:fontRef>
+        </p:style>
+      </p:cxnSp>
+      <p:sp>
+        <p:nvSpPr>
+          <p:cNvPr id="23" name="ZoneTexte 22"/>
+          <p:cNvSpPr txBox="1"/>
+          <p:nvPr/>
+        </p:nvSpPr>
+        <p:spPr>
+          <a:xfrm>
+            <a:off x="1691647" y="1425165"/>
+            <a:ext cx="885239" cy="246221"/>
+          </a:xfrm>
+          <a:prstGeom prst="rect">
+            <a:avLst/>
+          </a:prstGeom>
+          <a:solidFill>
+            <a:srgbClr val="FFFFFF"/>
+          </a:solidFill>
+        </p:spPr>
+        <p:txBody>
+          <a:bodyPr wrap="square" rtlCol="0">
+            <a:spAutoFit/>
+          </a:bodyPr>
+          <a:lstStyle/>
+          <a:p>
+            <a:r>
+              <a:rPr lang="fr-FR" sz="1000" dirty="0"/>
+              <a:t>Sn pur</a:t>
+            </a:r>
+          </a:p>
+        </p:txBody>
+      </p:sp>
+      <p:sp>
+        <p:nvSpPr>
+          <p:cNvPr id="25" name="ZoneTexte 24"/>
+          <p:cNvSpPr txBox="1"/>
+          <p:nvPr/>
+        </p:nvSpPr>
+        <p:spPr>
+          <a:xfrm>
+            <a:off x="3895536" y="1399958"/>
+            <a:ext cx="885239" cy="246221"/>
+          </a:xfrm>
+          <a:prstGeom prst="rect">
+            <a:avLst/>
+          </a:prstGeom>
+          <a:solidFill>
+            <a:srgbClr val="FFFFFF"/>
+          </a:solidFill>
+        </p:spPr>
+        <p:txBody>
+          <a:bodyPr wrap="square" rtlCol="0">
+            <a:spAutoFit/>
+          </a:bodyPr>
+          <a:lstStyle/>
+          <a:p>
+            <a:r>
+              <a:rPr lang="fr-FR" sz="1000" dirty="0" smtClean="0"/>
+              <a:t>Pb pur</a:t>
+            </a:r>
+            <a:endParaRPr lang="fr-FR" sz="1000" dirty="0"/>
+          </a:p>
+        </p:txBody>
+      </p:sp>
+      <p:sp>
+        <p:nvSpPr>
+          <p:cNvPr id="26" name="ZoneTexte 25"/>
+          <p:cNvSpPr txBox="1"/>
+          <p:nvPr/>
+        </p:nvSpPr>
+        <p:spPr>
+          <a:xfrm>
+            <a:off x="843686" y="4529009"/>
+            <a:ext cx="184666" cy="369332"/>
+          </a:xfrm>
+          <a:prstGeom prst="rect">
+            <a:avLst/>
+          </a:prstGeom>
+          <a:noFill/>
+        </p:spPr>
+        <p:txBody>
+          <a:bodyPr wrap="none" rtlCol="0">
+            <a:spAutoFit/>
+          </a:bodyPr>
+          <a:lstStyle/>
+          <a:p>
+            <a:endParaRPr lang="fr-FR" dirty="0"/>
+          </a:p>
+        </p:txBody>
+      </p:sp>
+      <p:sp>
+        <p:nvSpPr>
+          <p:cNvPr id="27" name="ZoneTexte 26"/>
+          <p:cNvSpPr txBox="1"/>
+          <p:nvPr/>
+        </p:nvSpPr>
+        <p:spPr>
+          <a:xfrm>
+            <a:off x="2181520" y="4259450"/>
+            <a:ext cx="1326436" cy="246221"/>
+          </a:xfrm>
+          <a:prstGeom prst="rect">
+            <a:avLst/>
+          </a:prstGeom>
+          <a:solidFill>
+            <a:srgbClr val="FFFFFF"/>
+          </a:solidFill>
+          <a:ln>
+            <a:solidFill>
+              <a:schemeClr val="tx1"/>
+            </a:solidFill>
+          </a:ln>
+        </p:spPr>
+        <p:txBody>
+          <a:bodyPr wrap="square" rtlCol="0">
+            <a:spAutoFit/>
+          </a:bodyPr>
+          <a:lstStyle/>
+          <a:p>
+            <a:r>
+              <a:rPr lang="fr-FR" sz="1000" dirty="0" err="1" smtClean="0"/>
+              <a:t>Liq</a:t>
+            </a:r>
+            <a:r>
+              <a:rPr lang="fr-FR" sz="1000" dirty="0" smtClean="0"/>
+              <a:t> + Sn(s) + Pb(s)</a:t>
+            </a:r>
+            <a:endParaRPr lang="fr-FR" sz="1000" dirty="0"/>
+          </a:p>
+        </p:txBody>
+      </p:sp>
+      <p:sp>
+        <p:nvSpPr>
+          <p:cNvPr id="28" name="ZoneTexte 27"/>
+          <p:cNvSpPr txBox="1"/>
+          <p:nvPr/>
+        </p:nvSpPr>
+        <p:spPr>
+          <a:xfrm>
+            <a:off x="3603889" y="4260883"/>
+            <a:ext cx="1040823" cy="246221"/>
+          </a:xfrm>
+          <a:prstGeom prst="rect">
+            <a:avLst/>
+          </a:prstGeom>
+          <a:solidFill>
+            <a:srgbClr val="FFFFFF"/>
+          </a:solidFill>
+          <a:ln>
+            <a:solidFill>
+              <a:schemeClr val="tx1"/>
+            </a:solidFill>
+          </a:ln>
+        </p:spPr>
+        <p:txBody>
+          <a:bodyPr wrap="square" rtlCol="0">
+            <a:spAutoFit/>
+          </a:bodyPr>
+          <a:lstStyle/>
+          <a:p>
+            <a:r>
+              <a:rPr lang="fr-FR" sz="1000" dirty="0" smtClean="0"/>
+              <a:t>Sn(s) + Pb(s)</a:t>
+            </a:r>
+            <a:endParaRPr lang="fr-FR" sz="1000" dirty="0"/>
+          </a:p>
+        </p:txBody>
+      </p:sp>
+      <p:sp>
+        <p:nvSpPr>
+          <p:cNvPr id="30" name="ZoneTexte 29"/>
+          <p:cNvSpPr txBox="1"/>
+          <p:nvPr/>
+        </p:nvSpPr>
+        <p:spPr>
+          <a:xfrm>
+            <a:off x="3170481" y="3122754"/>
+            <a:ext cx="559497" cy="200055"/>
+          </a:xfrm>
+          <a:prstGeom prst="rect">
+            <a:avLst/>
+          </a:prstGeom>
+          <a:solidFill>
+            <a:srgbClr val="FFFFFF"/>
+          </a:solidFill>
+        </p:spPr>
+        <p:txBody>
+          <a:bodyPr wrap="square" rtlCol="0">
+            <a:spAutoFit/>
+          </a:bodyPr>
+          <a:lstStyle/>
+          <a:p>
+            <a:r>
+              <a:rPr lang="fr-FR" sz="700" dirty="0" err="1" smtClean="0"/>
+              <a:t>Liq</a:t>
+            </a:r>
+            <a:r>
+              <a:rPr lang="fr-FR" sz="700" dirty="0" smtClean="0"/>
+              <a:t>+ Sn(s)</a:t>
+            </a:r>
+            <a:endParaRPr lang="fr-FR" sz="700" dirty="0"/>
+          </a:p>
+        </p:txBody>
+      </p:sp>
+      <p:sp>
+        <p:nvSpPr>
+          <p:cNvPr id="31" name="ZoneTexte 30"/>
+          <p:cNvSpPr txBox="1"/>
+          <p:nvPr/>
+        </p:nvSpPr>
+        <p:spPr>
+          <a:xfrm>
+            <a:off x="4335304" y="3026503"/>
+            <a:ext cx="559497" cy="200055"/>
+          </a:xfrm>
+          <a:prstGeom prst="rect">
+            <a:avLst/>
+          </a:prstGeom>
+          <a:solidFill>
+            <a:srgbClr val="FFFFFF"/>
+          </a:solidFill>
+        </p:spPr>
+        <p:txBody>
+          <a:bodyPr wrap="square" rtlCol="0">
+            <a:spAutoFit/>
+          </a:bodyPr>
+          <a:lstStyle/>
+          <a:p>
+            <a:r>
+              <a:rPr lang="fr-FR" sz="700" dirty="0" err="1" smtClean="0"/>
+              <a:t>Liq</a:t>
+            </a:r>
+            <a:r>
+              <a:rPr lang="fr-FR" sz="700" dirty="0" smtClean="0"/>
+              <a:t>+ Pb(s)</a:t>
+            </a:r>
+            <a:endParaRPr lang="fr-FR" sz="700" dirty="0"/>
+          </a:p>
+        </p:txBody>
+      </p:sp>
+    </p:spTree>
+    <p:extLst>
+      <p:ext uri="{BB962C8B-B14F-4D97-AF65-F5344CB8AC3E}">
+        <p14:creationId xmlns:p14="http://schemas.microsoft.com/office/powerpoint/2010/main" val="3626518295"/>
+      </p:ext>
+    </p:extLst>
+  </p:cSld>
+  <p:clrMapOvr>
+    <a:masterClrMapping/>
+  </p:clrMapOvr>
+</p:sld>
+</file>
+
+<file path=ppt/slides/slide11.xml><?xml version="1.0" encoding="utf-8"?>
+<p:sld xmlns:a="http://schemas.openxmlformats.org/drawingml/2006/main" xmlns:r="http://schemas.openxmlformats.org/officeDocument/2006/relationships" xmlns:p="http://schemas.openxmlformats.org/presentationml/2006/main">
+  <p:cSld>
+    <p:spTree>
+      <p:nvGrpSpPr>
+        <p:cNvPr id="1" name=""/>
+        <p:cNvGrpSpPr/>
+        <p:nvPr/>
+      </p:nvGrpSpPr>
+      <p:grpSpPr>
+        <a:xfrm>
+          <a:off x="0" y="0"/>
+          <a:ext cx="0" cy="0"/>
+          <a:chOff x="0" y="0"/>
+          <a:chExt cx="0" cy="0"/>
+        </a:xfrm>
+      </p:grpSpPr>
+      <p:sp>
+        <p:nvSpPr>
+          <p:cNvPr id="2" name="Espace réservé du numéro de diapositive 1">
+            <a:extLst>
+              <a:ext uri="{FF2B5EF4-FFF2-40B4-BE49-F238E27FC236}">
+                <a16:creationId xmlns:a16="http://schemas.microsoft.com/office/drawing/2014/main" xmlns="" id="{391F1C49-92D0-453E-8AD7-1D0FB8301D5C}"/>
+              </a:ext>
+            </a:extLst>
+          </p:cNvPr>
+          <p:cNvSpPr>
+            <a:spLocks noGrp="1"/>
+          </p:cNvSpPr>
+          <p:nvPr>
+            <p:ph type="sldNum" sz="quarter" idx="12"/>
+          </p:nvPr>
+        </p:nvSpPr>
+        <p:spPr/>
+        <p:txBody>
+          <a:bodyPr/>
+          <a:lstStyle/>
+          <a:p>
+            <a:fld id="{4FAB73BC-B049-4115-A692-8D63A059BFB8}" type="slidenum">
+              <a:rPr lang="en-US" smtClean="0"/>
+              <a:pPr/>
+              <a:t>11</a:t>
+            </a:fld>
+            <a:endParaRPr lang="en-US" dirty="0"/>
+          </a:p>
+        </p:txBody>
+      </p:sp>
+      <p:sp>
+        <p:nvSpPr>
+          <p:cNvPr id="3" name="Titre 2">
+            <a:extLst>
+              <a:ext uri="{FF2B5EF4-FFF2-40B4-BE49-F238E27FC236}">
+                <a16:creationId xmlns:a16="http://schemas.microsoft.com/office/drawing/2014/main" xmlns="" id="{7E1FFC24-D864-4D33-B1DD-293C02103183}"/>
+              </a:ext>
+            </a:extLst>
+          </p:cNvPr>
+          <p:cNvSpPr>
+            <a:spLocks noGrp="1"/>
+          </p:cNvSpPr>
+          <p:nvPr>
+            <p:ph type="title"/>
+          </p:nvPr>
+        </p:nvSpPr>
+        <p:spPr>
+          <a:xfrm>
+            <a:off x="653783" y="267690"/>
+            <a:ext cx="7543800" cy="636857"/>
+          </a:xfrm>
+        </p:spPr>
+        <p:txBody>
+          <a:bodyPr/>
+          <a:lstStyle/>
+          <a:p>
+            <a:pPr algn="ctr"/>
+            <a:r>
+              <a:rPr lang="fr-FR" sz="3200" dirty="0"/>
+              <a:t>Diagramme binaire et composé défini (Mg-Si)</a:t>
+            </a:r>
+          </a:p>
+        </p:txBody>
+      </p:sp>
+      <p:pic>
+        <p:nvPicPr>
+          <p:cNvPr id="4" name="Image 3">
+            <a:extLst>
+              <a:ext uri="{FF2B5EF4-FFF2-40B4-BE49-F238E27FC236}">
+                <a16:creationId xmlns:a16="http://schemas.microsoft.com/office/drawing/2014/main" xmlns="" id="{6B66D8A9-D0E1-4E7B-AE53-610386ECA3AF}"/>
+              </a:ext>
+            </a:extLst>
+          </p:cNvPr>
+          <p:cNvPicPr>
+            <a:picLocks noChangeAspect="1"/>
+          </p:cNvPicPr>
+          <p:nvPr/>
+        </p:nvPicPr>
+        <p:blipFill>
+          <a:blip r:embed="rId2"/>
+          <a:stretch>
+            <a:fillRect/>
+          </a:stretch>
+        </p:blipFill>
+        <p:spPr>
+          <a:xfrm>
+            <a:off x="1718370" y="808948"/>
+            <a:ext cx="5707259" cy="3795823"/>
+          </a:xfrm>
+          <a:prstGeom prst="rect">
+            <a:avLst/>
+          </a:prstGeom>
+        </p:spPr>
+      </p:pic>
+      <p:sp>
+        <p:nvSpPr>
+          <p:cNvPr id="5" name="ZoneTexte 4"/>
+          <p:cNvSpPr txBox="1"/>
+          <p:nvPr/>
+        </p:nvSpPr>
+        <p:spPr>
+          <a:xfrm>
+            <a:off x="7193531" y="4298119"/>
+            <a:ext cx="364691" cy="246221"/>
+          </a:xfrm>
+          <a:prstGeom prst="rect">
+            <a:avLst/>
+          </a:prstGeom>
+          <a:solidFill>
+            <a:srgbClr val="FFFFFF"/>
+          </a:solidFill>
+        </p:spPr>
+        <p:txBody>
+          <a:bodyPr wrap="none" rtlCol="0">
+            <a:spAutoFit/>
+          </a:bodyPr>
+          <a:lstStyle/>
+          <a:p>
+            <a:r>
+              <a:rPr lang="fr-FR" sz="1000" dirty="0" err="1" smtClean="0"/>
+              <a:t>wSi</a:t>
+            </a:r>
+            <a:endParaRPr lang="fr-FR" sz="1000" dirty="0"/>
+          </a:p>
+        </p:txBody>
+      </p:sp>
+    </p:spTree>
+    <p:extLst>
+      <p:ext uri="{BB962C8B-B14F-4D97-AF65-F5344CB8AC3E}">
+        <p14:creationId xmlns:p14="http://schemas.microsoft.com/office/powerpoint/2010/main" val="3374405318"/>
+      </p:ext>
+    </p:extLst>
+  </p:cSld>
+  <p:clrMapOvr>
+    <a:masterClrMapping/>
+  </p:clrMapOvr>
+</p:sld>
+</file>
+
+<file path=ppt/slides/slide12.xml><?xml version="1.0" encoding="utf-8"?>
+<p:sld xmlns:a="http://schemas.openxmlformats.org/drawingml/2006/main" xmlns:r="http://schemas.openxmlformats.org/officeDocument/2006/relationships" xmlns:p="http://schemas.openxmlformats.org/presentationml/2006/main">
+  <p:cSld>
+    <p:spTree>
+      <p:nvGrpSpPr>
+        <p:cNvPr id="1" name=""/>
+        <p:cNvGrpSpPr/>
+        <p:nvPr/>
+      </p:nvGrpSpPr>
+      <p:grpSpPr>
+        <a:xfrm>
+          <a:off x="0" y="0"/>
+          <a:ext cx="0" cy="0"/>
+          <a:chOff x="0" y="0"/>
+          <a:chExt cx="0" cy="0"/>
+        </a:xfrm>
+      </p:grpSpPr>
+      <p:sp>
+        <p:nvSpPr>
+          <p:cNvPr id="2" name="Titre 1">
+            <a:extLst>
+              <a:ext uri="{FF2B5EF4-FFF2-40B4-BE49-F238E27FC236}">
+                <a16:creationId xmlns="" xmlns:a16="http://schemas.microsoft.com/office/drawing/2014/main" id="{BCE1A1D2-AF98-4C6D-9648-574716453EC7}"/>
+              </a:ext>
+            </a:extLst>
+          </p:cNvPr>
+          <p:cNvSpPr>
+            <a:spLocks noGrp="1"/>
+          </p:cNvSpPr>
+          <p:nvPr>
+            <p:ph type="title"/>
+          </p:nvPr>
+        </p:nvSpPr>
+        <p:spPr/>
+        <p:txBody>
+          <a:bodyPr>
+            <a:noAutofit/>
+          </a:bodyPr>
+          <a:lstStyle/>
+          <a:p>
+            <a:r>
+              <a:rPr lang="fr-FR" sz="2900" dirty="0">
+                <a:solidFill>
+                  <a:srgbClr val="CF8182"/>
+                </a:solidFill>
+              </a:rPr>
+              <a:t>Diagramme binaire </a:t>
+            </a:r>
+            <a:r>
+              <a:rPr lang="fr-FR" sz="2900" dirty="0" err="1">
+                <a:solidFill>
+                  <a:srgbClr val="CF8182"/>
+                </a:solidFill>
+              </a:rPr>
+              <a:t>NaCl</a:t>
+            </a:r>
+            <a:r>
+              <a:rPr lang="fr-FR" sz="2900" dirty="0">
+                <a:solidFill>
+                  <a:srgbClr val="CF8182"/>
+                </a:solidFill>
+              </a:rPr>
+              <a:t>/H2O</a:t>
+            </a:r>
+          </a:p>
+        </p:txBody>
+      </p:sp>
+      <p:sp>
+        <p:nvSpPr>
+          <p:cNvPr id="3" name="Espace réservé du numéro de diapositive 2">
+            <a:extLst>
+              <a:ext uri="{FF2B5EF4-FFF2-40B4-BE49-F238E27FC236}">
+                <a16:creationId xmlns="" xmlns:a16="http://schemas.microsoft.com/office/drawing/2014/main" id="{9675A0BC-7A8F-4E8F-8577-1A2D3AFD894E}"/>
+              </a:ext>
+            </a:extLst>
+          </p:cNvPr>
+          <p:cNvSpPr>
+            <a:spLocks noGrp="1"/>
+          </p:cNvSpPr>
+          <p:nvPr>
+            <p:ph type="sldNum" sz="quarter" idx="12"/>
+          </p:nvPr>
+        </p:nvSpPr>
+        <p:spPr/>
+        <p:txBody>
+          <a:bodyPr/>
+          <a:lstStyle/>
+          <a:p>
+            <a:fld id="{3B9124A2-E1D7-417D-88BC-63EA5DA45BC4}" type="slidenum">
+              <a:rPr lang="fr-FR" smtClean="0"/>
+              <a:t>12</a:t>
+            </a:fld>
+            <a:endParaRPr lang="fr-FR"/>
+          </a:p>
+        </p:txBody>
+      </p:sp>
+      <p:pic>
+        <p:nvPicPr>
+          <p:cNvPr id="4" name="Image 3">
+            <a:extLst>
+              <a:ext uri="{FF2B5EF4-FFF2-40B4-BE49-F238E27FC236}">
+                <a16:creationId xmlns="" xmlns:a16="http://schemas.microsoft.com/office/drawing/2014/main" id="{C747CABD-CB81-4CEA-A728-D88E175939B6}"/>
+              </a:ext>
+            </a:extLst>
+          </p:cNvPr>
+          <p:cNvPicPr>
+            <a:picLocks noChangeAspect="1"/>
+          </p:cNvPicPr>
+          <p:nvPr/>
+        </p:nvPicPr>
+        <p:blipFill>
+          <a:blip r:embed="rId2"/>
+          <a:stretch>
+            <a:fillRect/>
+          </a:stretch>
+        </p:blipFill>
+        <p:spPr>
+          <a:xfrm>
+            <a:off x="2710312" y="1603490"/>
+            <a:ext cx="3723377" cy="2850615"/>
+          </a:xfrm>
+          <a:prstGeom prst="rect">
+            <a:avLst/>
+          </a:prstGeom>
+        </p:spPr>
+      </p:pic>
+      <p:sp>
+        <p:nvSpPr>
           <p:cNvPr id="5" name="Rectangle 4">
             <a:extLst>
               <a:ext uri="{FF2B5EF4-FFF2-40B4-BE49-F238E27FC236}">
-                <a16:creationId xmlns:a16="http://schemas.microsoft.com/office/drawing/2014/main" xmlns="" id="{02380BCF-2235-4C07-95A0-761BE0F13D3F}"/>
+                <a16:creationId xmlns="" xmlns:a16="http://schemas.microsoft.com/office/drawing/2014/main" id="{02380BCF-2235-4C07-95A0-761BE0F13D3F}"/>
               </a:ext>
             </a:extLst>
           </p:cNvPr>
@@ -3101,7 +4054,7 @@
         </p:nvSpPr>
         <p:spPr>
           <a:xfrm>
-            <a:off x="1723516" y="4699097"/>
+            <a:off x="145317" y="4906561"/>
             <a:ext cx="7136295" cy="238527"/>
           </a:xfrm>
           <a:prstGeom prst="rect">
@@ -3131,7 +4084,7 @@
           <p:cNvPr id="6" name="ZoneTexte 5">
             <a:extLst>
               <a:ext uri="{FF2B5EF4-FFF2-40B4-BE49-F238E27FC236}">
-                <a16:creationId xmlns:a16="http://schemas.microsoft.com/office/drawing/2014/main" xmlns="" id="{91A827AA-FC3F-4B0E-99B2-2F9E9AD1411E}"/>
+                <a16:creationId xmlns="" xmlns:a16="http://schemas.microsoft.com/office/drawing/2014/main" id="{91A827AA-FC3F-4B0E-99B2-2F9E9AD1411E}"/>
               </a:ext>
             </a:extLst>
           </p:cNvPr>
@@ -3196,7 +4149,7 @@
           <p:cNvPr id="2" name="Espace réservé du numéro de diapositive 1">
             <a:extLst>
               <a:ext uri="{FF2B5EF4-FFF2-40B4-BE49-F238E27FC236}">
-                <a16:creationId xmlns="" xmlns:a16="http://schemas.microsoft.com/office/drawing/2014/main" id="{6A25210A-46E0-487D-B547-ADAA246D0645}"/>
+                <a16:creationId xmlns:a16="http://schemas.microsoft.com/office/drawing/2014/main" xmlns="" id="{6A25210A-46E0-487D-B547-ADAA246D0645}"/>
               </a:ext>
             </a:extLst>
           </p:cNvPr>
@@ -3226,7 +4179,7 @@
           <p:cNvPr id="4" name="Titre 3">
             <a:extLst>
               <a:ext uri="{FF2B5EF4-FFF2-40B4-BE49-F238E27FC236}">
-                <a16:creationId xmlns="" xmlns:a16="http://schemas.microsoft.com/office/drawing/2014/main" id="{012456B1-741D-4D5A-8D90-B1AF7EED7430}"/>
+                <a16:creationId xmlns:a16="http://schemas.microsoft.com/office/drawing/2014/main" xmlns="" id="{012456B1-741D-4D5A-8D90-B1AF7EED7430}"/>
               </a:ext>
             </a:extLst>
           </p:cNvPr>
@@ -3258,7 +4211,7 @@
           <p:cNvPr id="5" name="Image 4">
             <a:extLst>
               <a:ext uri="{FF2B5EF4-FFF2-40B4-BE49-F238E27FC236}">
-                <a16:creationId xmlns="" xmlns:a16="http://schemas.microsoft.com/office/drawing/2014/main" id="{9F5C5A57-7FC0-4FFE-89B0-A281877C264A}"/>
+                <a16:creationId xmlns:a16="http://schemas.microsoft.com/office/drawing/2014/main" xmlns="" id="{9F5C5A57-7FC0-4FFE-89B0-A281877C264A}"/>
               </a:ext>
             </a:extLst>
           </p:cNvPr>
@@ -3314,13 +4267,7 @@
       </p:grpSpPr>
       <p:sp>
         <p:nvSpPr>
-          <p:cNvPr id="2" name="Titre 1">
-            <a:extLst>
-              <a:ext uri="{FF2B5EF4-FFF2-40B4-BE49-F238E27FC236}">
-                <a16:creationId xmlns:a16="http://schemas.microsoft.com/office/drawing/2014/main" xmlns="" id="{D0B5C905-AB1C-4F22-965A-2EF7E34D394A}"/>
-              </a:ext>
-            </a:extLst>
-          </p:cNvPr>
+          <p:cNvPr id="2" name="Titre 1"/>
           <p:cNvSpPr>
             <a:spLocks noGrp="1"/>
           </p:cNvSpPr>
@@ -3328,7 +4275,12 @@
             <p:ph type="title"/>
           </p:nvPr>
         </p:nvSpPr>
-        <p:spPr/>
+        <p:spPr>
+          <a:xfrm>
+            <a:off x="567321" y="250137"/>
+            <a:ext cx="7543800" cy="457748"/>
+          </a:xfrm>
+        </p:spPr>
         <p:txBody>
           <a:bodyPr>
             <a:normAutofit/>
@@ -3341,20 +4293,19 @@
                   <a:srgbClr val="CF8182"/>
                 </a:solidFill>
               </a:rPr>
-              <a:t>Courbes de refroidissement Cu/Ni</a:t>
-            </a:r>
-          </a:p>
-        </p:txBody>
-      </p:sp>
-      <p:sp>
-        <p:nvSpPr>
-          <p:cNvPr id="3" name="Espace réservé du numéro de diapositive 2">
-            <a:extLst>
-              <a:ext uri="{FF2B5EF4-FFF2-40B4-BE49-F238E27FC236}">
-                <a16:creationId xmlns:a16="http://schemas.microsoft.com/office/drawing/2014/main" xmlns="" id="{B51AF34A-4F05-470A-AC18-6BFB345A37AA}"/>
-              </a:ext>
-            </a:extLst>
-          </p:cNvPr>
+              <a:t>Acquisition d’une courbe de refroidissement</a:t>
+            </a:r>
+            <a:endParaRPr lang="fr-FR" dirty="0">
+              <a:solidFill>
+                <a:srgbClr val="CF8182"/>
+              </a:solidFill>
+            </a:endParaRPr>
+          </a:p>
+        </p:txBody>
+      </p:sp>
+      <p:sp>
+        <p:nvSpPr>
+          <p:cNvPr id="3" name="Espace réservé du numéro de diapositive 2"/>
           <p:cNvSpPr>
             <a:spLocks noGrp="1"/>
           </p:cNvSpPr>
@@ -3371,44 +4322,245 @@
               <a:rPr lang="fr-FR" smtClean="0"/>
               <a:t>3</a:t>
             </a:fld>
-            <a:endParaRPr lang="fr-FR" dirty="0"/>
+            <a:endParaRPr lang="fr-FR"/>
           </a:p>
         </p:txBody>
       </p:sp>
       <p:pic>
         <p:nvPicPr>
-          <p:cNvPr id="5" name="Image 4">
-            <a:extLst>
-              <a:ext uri="{FF2B5EF4-FFF2-40B4-BE49-F238E27FC236}">
-                <a16:creationId xmlns:a16="http://schemas.microsoft.com/office/drawing/2014/main" xmlns="" id="{67641884-50F4-4F25-AA07-DCD28373FE3F}"/>
-              </a:ext>
-            </a:extLst>
-          </p:cNvPr>
+          <p:cNvPr id="4" name="Image 3" descr="Capture d’écran 2020-06-22 à 12.15.50.png"/>
           <p:cNvPicPr>
             <a:picLocks noChangeAspect="1"/>
           </p:cNvPicPr>
           <p:nvPr/>
         </p:nvPicPr>
         <p:blipFill>
-          <a:blip r:embed="rId2"/>
+          <a:blip r:embed="rId2">
+            <a:extLst>
+              <a:ext uri="{28A0092B-C50C-407E-A947-70E740481C1C}">
+                <a14:useLocalDpi xmlns:a14="http://schemas.microsoft.com/office/drawing/2010/main" val="0"/>
+              </a:ext>
+            </a:extLst>
+          </a:blip>
           <a:stretch>
             <a:fillRect/>
           </a:stretch>
         </p:blipFill>
         <p:spPr>
           <a:xfrm>
-            <a:off x="2717232" y="1508283"/>
-            <a:ext cx="3755255" cy="3133191"/>
+            <a:off x="1027254" y="1146777"/>
+            <a:ext cx="5740520" cy="3570709"/>
           </a:xfrm>
           <a:prstGeom prst="rect">
             <a:avLst/>
           </a:prstGeom>
         </p:spPr>
       </p:pic>
+      <p:sp>
+        <p:nvSpPr>
+          <p:cNvPr id="5" name="ZoneTexte 4"/>
+          <p:cNvSpPr txBox="1"/>
+          <p:nvPr/>
+        </p:nvSpPr>
+        <p:spPr>
+          <a:xfrm>
+            <a:off x="5449719" y="3945903"/>
+            <a:ext cx="787220" cy="369332"/>
+          </a:xfrm>
+          <a:prstGeom prst="rect">
+            <a:avLst/>
+          </a:prstGeom>
+          <a:noFill/>
+        </p:spPr>
+        <p:txBody>
+          <a:bodyPr wrap="none" rtlCol="0">
+            <a:spAutoFit/>
+          </a:bodyPr>
+          <a:lstStyle/>
+          <a:p>
+            <a:r>
+              <a:rPr lang="fr-FR" dirty="0" smtClean="0"/>
+              <a:t>étudié</a:t>
+            </a:r>
+            <a:endParaRPr lang="fr-FR" dirty="0"/>
+          </a:p>
+        </p:txBody>
+      </p:sp>
+      <p:sp>
+        <p:nvSpPr>
+          <p:cNvPr id="6" name="Forme libre 5"/>
+          <p:cNvSpPr/>
+          <p:nvPr/>
+        </p:nvSpPr>
+        <p:spPr>
+          <a:xfrm rot="555346">
+            <a:off x="5825508" y="1750995"/>
+            <a:ext cx="573599" cy="690533"/>
+          </a:xfrm>
+          <a:custGeom>
+            <a:avLst/>
+            <a:gdLst>
+              <a:gd name="connsiteX0" fmla="*/ 6434 w 573599"/>
+              <a:gd name="connsiteY0" fmla="*/ 690533 h 690533"/>
+              <a:gd name="connsiteX1" fmla="*/ 80412 w 573599"/>
+              <a:gd name="connsiteY1" fmla="*/ 172633 h 690533"/>
+              <a:gd name="connsiteX2" fmla="*/ 573599 w 573599"/>
+              <a:gd name="connsiteY2" fmla="*/ 0 h 690533"/>
+              <a:gd name="connsiteX3" fmla="*/ 573599 w 573599"/>
+              <a:gd name="connsiteY3" fmla="*/ 0 h 690533"/>
+            </a:gdLst>
+            <a:ahLst/>
+            <a:cxnLst>
+              <a:cxn ang="0">
+                <a:pos x="connsiteX0" y="connsiteY0"/>
+              </a:cxn>
+              <a:cxn ang="0">
+                <a:pos x="connsiteX1" y="connsiteY1"/>
+              </a:cxn>
+              <a:cxn ang="0">
+                <a:pos x="connsiteX2" y="connsiteY2"/>
+              </a:cxn>
+              <a:cxn ang="0">
+                <a:pos x="connsiteX3" y="connsiteY3"/>
+              </a:cxn>
+            </a:cxnLst>
+            <a:rect l="l" t="t" r="r" b="b"/>
+            <a:pathLst>
+              <a:path w="573599" h="690533">
+                <a:moveTo>
+                  <a:pt x="6434" y="690533"/>
+                </a:moveTo>
+                <a:cubicBezTo>
+                  <a:pt x="-3841" y="489127"/>
+                  <a:pt x="-14116" y="287722"/>
+                  <a:pt x="80412" y="172633"/>
+                </a:cubicBezTo>
+                <a:cubicBezTo>
+                  <a:pt x="174940" y="57544"/>
+                  <a:pt x="573599" y="0"/>
+                  <a:pt x="573599" y="0"/>
+                </a:cubicBezTo>
+                <a:lnTo>
+                  <a:pt x="573599" y="0"/>
+                </a:lnTo>
+              </a:path>
+            </a:pathLst>
+          </a:custGeom>
+          <a:ln w="3175" cmpd="sng">
+            <a:solidFill>
+              <a:schemeClr val="tx1"/>
+            </a:solidFill>
+          </a:ln>
+        </p:spPr>
+        <p:style>
+          <a:lnRef idx="2">
+            <a:schemeClr val="accent1"/>
+          </a:lnRef>
+          <a:fillRef idx="0">
+            <a:schemeClr val="accent1"/>
+          </a:fillRef>
+          <a:effectRef idx="1">
+            <a:schemeClr val="accent1"/>
+          </a:effectRef>
+          <a:fontRef idx="minor">
+            <a:schemeClr val="tx1"/>
+          </a:fontRef>
+        </p:style>
+        <p:txBody>
+          <a:bodyPr rtlCol="0" anchor="ctr"/>
+          <a:lstStyle/>
+          <a:p>
+            <a:pPr algn="ctr"/>
+            <a:endParaRPr lang="fr-FR"/>
+          </a:p>
+        </p:txBody>
+      </p:sp>
+      <p:sp>
+        <p:nvSpPr>
+          <p:cNvPr id="7" name="ZoneTexte 6"/>
+          <p:cNvSpPr txBox="1"/>
+          <p:nvPr/>
+        </p:nvSpPr>
+        <p:spPr>
+          <a:xfrm>
+            <a:off x="6519138" y="1615353"/>
+            <a:ext cx="2624862" cy="369332"/>
+          </a:xfrm>
+          <a:prstGeom prst="rect">
+            <a:avLst/>
+          </a:prstGeom>
+          <a:noFill/>
+        </p:spPr>
+        <p:txBody>
+          <a:bodyPr wrap="none" rtlCol="0">
+            <a:spAutoFit/>
+          </a:bodyPr>
+          <a:lstStyle/>
+          <a:p>
+            <a:r>
+              <a:rPr lang="fr-FR" dirty="0" smtClean="0"/>
+              <a:t>Acquisition sur ordinateur</a:t>
+            </a:r>
+            <a:endParaRPr lang="fr-FR" dirty="0"/>
+          </a:p>
+        </p:txBody>
+      </p:sp>
+      <p:sp>
+        <p:nvSpPr>
+          <p:cNvPr id="8" name="ZoneTexte 7"/>
+          <p:cNvSpPr txBox="1"/>
+          <p:nvPr/>
+        </p:nvSpPr>
+        <p:spPr>
+          <a:xfrm>
+            <a:off x="320572" y="4821400"/>
+            <a:ext cx="4878284" cy="461665"/>
+          </a:xfrm>
+          <a:prstGeom prst="rect">
+            <a:avLst/>
+          </a:prstGeom>
+          <a:noFill/>
+        </p:spPr>
+        <p:txBody>
+          <a:bodyPr wrap="none" rtlCol="0">
+            <a:spAutoFit/>
+          </a:bodyPr>
+          <a:lstStyle/>
+          <a:p>
+            <a:r>
+              <a:rPr lang="fr-FR" sz="1200" dirty="0" smtClean="0"/>
+              <a:t>Florilège </a:t>
+            </a:r>
+            <a:r>
+              <a:rPr lang="fr-FR" sz="1200" dirty="0"/>
+              <a:t>de chimie 2</a:t>
+            </a:r>
+            <a:r>
+              <a:rPr lang="fr-FR" sz="1200" baseline="30000" dirty="0"/>
+              <a:t>ème</a:t>
+            </a:r>
+            <a:r>
+              <a:rPr lang="fr-FR" sz="1200" dirty="0"/>
+              <a:t> édition, Florence </a:t>
+            </a:r>
+            <a:r>
+              <a:rPr lang="fr-FR" sz="1200" dirty="0" err="1"/>
+              <a:t>Daumarie</a:t>
+            </a:r>
+            <a:r>
+              <a:rPr lang="fr-FR" sz="1200" dirty="0"/>
+              <a:t> et al., Hermann (2002). </a:t>
+            </a:r>
+          </a:p>
+          <a:p>
+            <a:endParaRPr lang="fr-FR" sz="1200" dirty="0"/>
+          </a:p>
+        </p:txBody>
+      </p:sp>
     </p:spTree>
     <p:extLst>
       <p:ext uri="{BB962C8B-B14F-4D97-AF65-F5344CB8AC3E}">
-        <p14:creationId xmlns:p14="http://schemas.microsoft.com/office/powerpoint/2010/main" val="3349463217"/>
+        <p14:creationId xmlns:p14="http://schemas.microsoft.com/office/powerpoint/2010/main" val="3242953761"/>
       </p:ext>
     </p:extLst>
   </p:cSld>
@@ -3440,7 +4592,7 @@
           <p:cNvPr id="2" name="Titre 1">
             <a:extLst>
               <a:ext uri="{FF2B5EF4-FFF2-40B4-BE49-F238E27FC236}">
-                <a16:creationId xmlns:a16="http://schemas.microsoft.com/office/drawing/2014/main" xmlns="" id="{13756E28-584F-46E4-AA25-9E2B87788C55}"/>
+                <a16:creationId xmlns="" xmlns:a16="http://schemas.microsoft.com/office/drawing/2014/main" id="{D0B5C905-AB1C-4F22-965A-2EF7E34D394A}"/>
               </a:ext>
             </a:extLst>
           </p:cNvPr>
@@ -3451,15 +4603,10 @@
             <p:ph type="title"/>
           </p:nvPr>
         </p:nvSpPr>
-        <p:spPr>
-          <a:xfrm>
-            <a:off x="584960" y="123447"/>
-            <a:ext cx="7543800" cy="872043"/>
-          </a:xfrm>
-        </p:spPr>
+        <p:spPr/>
         <p:txBody>
           <a:bodyPr>
-            <a:noAutofit/>
+            <a:normAutofit/>
           </a:bodyPr>
           <a:lstStyle/>
           <a:p>
@@ -3469,22 +4616,7 @@
                   <a:srgbClr val="CF8182"/>
                 </a:solidFill>
               </a:rPr>
-              <a:t>Diagramme binaire Cu/Ni</a:t>
-            </a:r>
-            <a:br>
-              <a:rPr lang="fr-FR" dirty="0">
-                <a:solidFill>
-                  <a:srgbClr val="CF8182"/>
-                </a:solidFill>
-              </a:rPr>
-            </a:br>
-            <a:r>
-              <a:rPr lang="fr-FR" dirty="0">
-                <a:solidFill>
-                  <a:srgbClr val="CF8182"/>
-                </a:solidFill>
-              </a:rPr>
-              <a:t>Solides miscibles</a:t>
+              <a:t>Courbes de refroidissement Cu/Ni</a:t>
             </a:r>
           </a:p>
         </p:txBody>
@@ -3494,7 +4626,7 @@
           <p:cNvPr id="3" name="Espace réservé du numéro de diapositive 2">
             <a:extLst>
               <a:ext uri="{FF2B5EF4-FFF2-40B4-BE49-F238E27FC236}">
-                <a16:creationId xmlns:a16="http://schemas.microsoft.com/office/drawing/2014/main" xmlns="" id="{AB4DA3DD-99B9-441D-A29A-0B9E3467C698}"/>
+                <a16:creationId xmlns="" xmlns:a16="http://schemas.microsoft.com/office/drawing/2014/main" id="{B51AF34A-4F05-470A-AC18-6BFB345A37AA}"/>
               </a:ext>
             </a:extLst>
           </p:cNvPr>
@@ -3518,6 +4650,149 @@
           </a:p>
         </p:txBody>
       </p:sp>
+      <p:pic>
+        <p:nvPicPr>
+          <p:cNvPr id="5" name="Image 4">
+            <a:extLst>
+              <a:ext uri="{FF2B5EF4-FFF2-40B4-BE49-F238E27FC236}">
+                <a16:creationId xmlns="" xmlns:a16="http://schemas.microsoft.com/office/drawing/2014/main" id="{67641884-50F4-4F25-AA07-DCD28373FE3F}"/>
+              </a:ext>
+            </a:extLst>
+          </p:cNvPr>
+          <p:cNvPicPr>
+            <a:picLocks noChangeAspect="1"/>
+          </p:cNvPicPr>
+          <p:nvPr/>
+        </p:nvPicPr>
+        <p:blipFill>
+          <a:blip r:embed="rId2"/>
+          <a:stretch>
+            <a:fillRect/>
+          </a:stretch>
+        </p:blipFill>
+        <p:spPr>
+          <a:xfrm>
+            <a:off x="2717232" y="1508283"/>
+            <a:ext cx="3755255" cy="3133191"/>
+          </a:xfrm>
+          <a:prstGeom prst="rect">
+            <a:avLst/>
+          </a:prstGeom>
+        </p:spPr>
+      </p:pic>
+    </p:spTree>
+    <p:extLst>
+      <p:ext uri="{BB962C8B-B14F-4D97-AF65-F5344CB8AC3E}">
+        <p14:creationId xmlns:p14="http://schemas.microsoft.com/office/powerpoint/2010/main" val="3349463217"/>
+      </p:ext>
+    </p:extLst>
+  </p:cSld>
+  <p:clrMapOvr>
+    <a:masterClrMapping/>
+  </p:clrMapOvr>
+</p:sld>
+</file>
+
+<file path=ppt/slides/slide5.xml><?xml version="1.0" encoding="utf-8"?>
+<p:sld xmlns:a="http://schemas.openxmlformats.org/drawingml/2006/main" xmlns:r="http://schemas.openxmlformats.org/officeDocument/2006/relationships" xmlns:p="http://schemas.openxmlformats.org/presentationml/2006/main">
+  <p:cSld>
+    <p:spTree>
+      <p:nvGrpSpPr>
+        <p:cNvPr id="1" name=""/>
+        <p:cNvGrpSpPr/>
+        <p:nvPr/>
+      </p:nvGrpSpPr>
+      <p:grpSpPr>
+        <a:xfrm>
+          <a:off x="0" y="0"/>
+          <a:ext cx="0" cy="0"/>
+          <a:chOff x="0" y="0"/>
+          <a:chExt cx="0" cy="0"/>
+        </a:xfrm>
+      </p:grpSpPr>
+      <p:sp>
+        <p:nvSpPr>
+          <p:cNvPr id="2" name="Titre 1">
+            <a:extLst>
+              <a:ext uri="{FF2B5EF4-FFF2-40B4-BE49-F238E27FC236}">
+                <a16:creationId xmlns="" xmlns:a16="http://schemas.microsoft.com/office/drawing/2014/main" id="{13756E28-584F-46E4-AA25-9E2B87788C55}"/>
+              </a:ext>
+            </a:extLst>
+          </p:cNvPr>
+          <p:cNvSpPr>
+            <a:spLocks noGrp="1"/>
+          </p:cNvSpPr>
+          <p:nvPr>
+            <p:ph type="title"/>
+          </p:nvPr>
+        </p:nvSpPr>
+        <p:spPr>
+          <a:xfrm>
+            <a:off x="584960" y="123447"/>
+            <a:ext cx="7543800" cy="872043"/>
+          </a:xfrm>
+        </p:spPr>
+        <p:txBody>
+          <a:bodyPr>
+            <a:noAutofit/>
+          </a:bodyPr>
+          <a:lstStyle/>
+          <a:p>
+            <a:r>
+              <a:rPr lang="fr-FR" dirty="0">
+                <a:solidFill>
+                  <a:srgbClr val="CF8182"/>
+                </a:solidFill>
+              </a:rPr>
+              <a:t>Diagramme binaire Cu/Ni</a:t>
+            </a:r>
+            <a:br>
+              <a:rPr lang="fr-FR" dirty="0">
+                <a:solidFill>
+                  <a:srgbClr val="CF8182"/>
+                </a:solidFill>
+              </a:rPr>
+            </a:br>
+            <a:r>
+              <a:rPr lang="fr-FR" dirty="0">
+                <a:solidFill>
+                  <a:srgbClr val="CF8182"/>
+                </a:solidFill>
+              </a:rPr>
+              <a:t>Solides miscibles</a:t>
+            </a:r>
+          </a:p>
+        </p:txBody>
+      </p:sp>
+      <p:sp>
+        <p:nvSpPr>
+          <p:cNvPr id="3" name="Espace réservé du numéro de diapositive 2">
+            <a:extLst>
+              <a:ext uri="{FF2B5EF4-FFF2-40B4-BE49-F238E27FC236}">
+                <a16:creationId xmlns="" xmlns:a16="http://schemas.microsoft.com/office/drawing/2014/main" id="{AB4DA3DD-99B9-441D-A29A-0B9E3467C698}"/>
+              </a:ext>
+            </a:extLst>
+          </p:cNvPr>
+          <p:cNvSpPr>
+            <a:spLocks noGrp="1"/>
+          </p:cNvSpPr>
+          <p:nvPr>
+            <p:ph type="sldNum" sz="quarter" idx="12"/>
+          </p:nvPr>
+        </p:nvSpPr>
+        <p:spPr/>
+        <p:txBody>
+          <a:bodyPr/>
+          <a:lstStyle/>
+          <a:p>
+            <a:fld id="{3B9124A2-E1D7-417D-88BC-63EA5DA45BC4}" type="slidenum">
+              <a:rPr lang="fr-FR" smtClean="0"/>
+              <a:t>5</a:t>
+            </a:fld>
+            <a:endParaRPr lang="fr-FR" dirty="0"/>
+          </a:p>
+        </p:txBody>
+      </p:sp>
       <p:sp>
         <p:nvSpPr>
           <p:cNvPr id="10" name="ZoneTexte 9"/>
@@ -3549,7 +4824,7 @@
           <p:cNvPr id="11" name="Groupe 7">
             <a:extLst>
               <a:ext uri="{FF2B5EF4-FFF2-40B4-BE49-F238E27FC236}">
-                <a16:creationId xmlns:a16="http://schemas.microsoft.com/office/drawing/2014/main" xmlns="" id="{C05F7E93-AF91-4C10-B561-5646EE95BEA0}"/>
+                <a16:creationId xmlns="" xmlns:a16="http://schemas.microsoft.com/office/drawing/2014/main" id="{C05F7E93-AF91-4C10-B561-5646EE95BEA0}"/>
               </a:ext>
             </a:extLst>
           </p:cNvPr>
@@ -3569,7 +4844,7 @@
             <p:cNvPr id="12" name="Image 11">
               <a:extLst>
                 <a:ext uri="{FF2B5EF4-FFF2-40B4-BE49-F238E27FC236}">
-                  <a16:creationId xmlns:a16="http://schemas.microsoft.com/office/drawing/2014/main" xmlns="" id="{F8DFAE39-701E-4D0F-AAC0-D3B6640EC5E4}"/>
+                  <a16:creationId xmlns="" xmlns:a16="http://schemas.microsoft.com/office/drawing/2014/main" id="{F8DFAE39-701E-4D0F-AAC0-D3B6640EC5E4}"/>
                 </a:ext>
               </a:extLst>
             </p:cNvPr>
@@ -3599,7 +4874,7 @@
             <p:cNvPr id="13" name="ZoneTexte 12">
               <a:extLst>
                 <a:ext uri="{FF2B5EF4-FFF2-40B4-BE49-F238E27FC236}">
-                  <a16:creationId xmlns:a16="http://schemas.microsoft.com/office/drawing/2014/main" xmlns="" id="{B9B68CF0-ABA1-4FA3-8FAE-38AD3F633888}"/>
+                  <a16:creationId xmlns="" xmlns:a16="http://schemas.microsoft.com/office/drawing/2014/main" id="{B9B68CF0-ABA1-4FA3-8FAE-38AD3F633888}"/>
                 </a:ext>
               </a:extLst>
             </p:cNvPr>
@@ -3641,7 +4916,7 @@
             <p:cNvPr id="14" name="ZoneTexte 13">
               <a:extLst>
                 <a:ext uri="{FF2B5EF4-FFF2-40B4-BE49-F238E27FC236}">
-                  <a16:creationId xmlns:a16="http://schemas.microsoft.com/office/drawing/2014/main" xmlns="" id="{6180195D-E668-498F-B50A-703F9B7874C5}"/>
+                  <a16:creationId xmlns="" xmlns:a16="http://schemas.microsoft.com/office/drawing/2014/main" id="{6180195D-E668-498F-B50A-703F9B7874C5}"/>
                 </a:ext>
               </a:extLst>
             </p:cNvPr>
@@ -3726,7 +5001,7 @@
 </p:sld>
 </file>
 
-<file path=ppt/slides/slide5.xml><?xml version="1.0" encoding="utf-8"?>
+<file path=ppt/slides/slide6.xml><?xml version="1.0" encoding="utf-8"?>
 <p:sld xmlns:a="http://schemas.openxmlformats.org/drawingml/2006/main" xmlns:r="http://schemas.openxmlformats.org/officeDocument/2006/relationships" xmlns:p="http://schemas.openxmlformats.org/presentationml/2006/main">
   <p:cSld>
     <p:spTree>
@@ -3748,7 +5023,7 @@
           <p:cNvPr id="2" name="Titre 1">
             <a:extLst>
               <a:ext uri="{FF2B5EF4-FFF2-40B4-BE49-F238E27FC236}">
-                <a16:creationId xmlns:a16="http://schemas.microsoft.com/office/drawing/2014/main" xmlns="" id="{58BD26C2-41DC-4569-9794-08F9DCA29CD6}"/>
+                <a16:creationId xmlns="" xmlns:a16="http://schemas.microsoft.com/office/drawing/2014/main" id="{58BD26C2-41DC-4569-9794-08F9DCA29CD6}"/>
               </a:ext>
             </a:extLst>
           </p:cNvPr>
@@ -3802,7 +5077,7 @@
           <p:cNvPr id="3" name="Espace réservé du numéro de diapositive 2">
             <a:extLst>
               <a:ext uri="{FF2B5EF4-FFF2-40B4-BE49-F238E27FC236}">
-                <a16:creationId xmlns:a16="http://schemas.microsoft.com/office/drawing/2014/main" xmlns="" id="{E96C8CE6-1055-4BC9-8399-A06569690AC1}"/>
+                <a16:creationId xmlns="" xmlns:a16="http://schemas.microsoft.com/office/drawing/2014/main" id="{E96C8CE6-1055-4BC9-8399-A06569690AC1}"/>
               </a:ext>
             </a:extLst>
           </p:cNvPr>
@@ -3820,7 +5095,7 @@
           <a:p>
             <a:fld id="{3B9124A2-E1D7-417D-88BC-63EA5DA45BC4}" type="slidenum">
               <a:rPr lang="fr-FR" smtClean="0"/>
-              <a:t>5</a:t>
+              <a:t>6</a:t>
             </a:fld>
             <a:endParaRPr lang="fr-FR"/>
           </a:p>
@@ -3831,7 +5106,7 @@
           <p:cNvPr id="10" name="Groupe 9">
             <a:extLst>
               <a:ext uri="{FF2B5EF4-FFF2-40B4-BE49-F238E27FC236}">
-                <a16:creationId xmlns:a16="http://schemas.microsoft.com/office/drawing/2014/main" xmlns="" id="{F17B544F-DDB2-4093-8273-165ED1B69919}"/>
+                <a16:creationId xmlns="" xmlns:a16="http://schemas.microsoft.com/office/drawing/2014/main" id="{F17B544F-DDB2-4093-8273-165ED1B69919}"/>
               </a:ext>
             </a:extLst>
           </p:cNvPr>
@@ -3851,7 +5126,7 @@
             <p:cNvPr id="5" name="Image 4">
               <a:extLst>
                 <a:ext uri="{FF2B5EF4-FFF2-40B4-BE49-F238E27FC236}">
-                  <a16:creationId xmlns:a16="http://schemas.microsoft.com/office/drawing/2014/main" xmlns="" id="{90C0BF47-A588-406D-9232-DBEC35790880}"/>
+                  <a16:creationId xmlns="" xmlns:a16="http://schemas.microsoft.com/office/drawing/2014/main" id="{90C0BF47-A588-406D-9232-DBEC35790880}"/>
                 </a:ext>
               </a:extLst>
             </p:cNvPr>
@@ -3885,7 +5160,7 @@
             <p:cNvPr id="6" name="ZoneTexte 5">
               <a:extLst>
                 <a:ext uri="{FF2B5EF4-FFF2-40B4-BE49-F238E27FC236}">
-                  <a16:creationId xmlns:a16="http://schemas.microsoft.com/office/drawing/2014/main" xmlns="" id="{DC12D2C1-FB97-4BBD-A48F-F56EF4EAD226}"/>
+                  <a16:creationId xmlns="" xmlns:a16="http://schemas.microsoft.com/office/drawing/2014/main" id="{DC12D2C1-FB97-4BBD-A48F-F56EF4EAD226}"/>
                 </a:ext>
               </a:extLst>
             </p:cNvPr>
@@ -3924,7 +5199,7 @@
             <p:cNvPr id="7" name="ZoneTexte 6">
               <a:extLst>
                 <a:ext uri="{FF2B5EF4-FFF2-40B4-BE49-F238E27FC236}">
-                  <a16:creationId xmlns:a16="http://schemas.microsoft.com/office/drawing/2014/main" xmlns="" id="{A7D2DFBF-5274-44F7-8457-BA3E7737C17C}"/>
+                  <a16:creationId xmlns="" xmlns:a16="http://schemas.microsoft.com/office/drawing/2014/main" id="{A7D2DFBF-5274-44F7-8457-BA3E7737C17C}"/>
                 </a:ext>
               </a:extLst>
             </p:cNvPr>
@@ -3964,7 +5239,7 @@
           <p:cNvPr id="12" name="Connecteur droit 11">
             <a:extLst>
               <a:ext uri="{FF2B5EF4-FFF2-40B4-BE49-F238E27FC236}">
-                <a16:creationId xmlns:a16="http://schemas.microsoft.com/office/drawing/2014/main" xmlns="" id="{FAE1FF60-CF28-4C7A-B2C3-06ED93936516}"/>
+                <a16:creationId xmlns="" xmlns:a16="http://schemas.microsoft.com/office/drawing/2014/main" id="{FAE1FF60-CF28-4C7A-B2C3-06ED93936516}"/>
               </a:ext>
             </a:extLst>
           </p:cNvPr>
@@ -4003,7 +5278,7 @@
           <p:cNvPr id="13" name="Connecteur droit 12">
             <a:extLst>
               <a:ext uri="{FF2B5EF4-FFF2-40B4-BE49-F238E27FC236}">
-                <a16:creationId xmlns:a16="http://schemas.microsoft.com/office/drawing/2014/main" xmlns="" id="{32DABC8E-1547-4C47-83A7-FD18C23B0F1F}"/>
+                <a16:creationId xmlns="" xmlns:a16="http://schemas.microsoft.com/office/drawing/2014/main" id="{32DABC8E-1547-4C47-83A7-FD18C23B0F1F}"/>
               </a:ext>
             </a:extLst>
           </p:cNvPr>
@@ -4042,7 +5317,7 @@
           <p:cNvPr id="17" name="Connecteur droit 16">
             <a:extLst>
               <a:ext uri="{FF2B5EF4-FFF2-40B4-BE49-F238E27FC236}">
-                <a16:creationId xmlns:a16="http://schemas.microsoft.com/office/drawing/2014/main" xmlns="" id="{4B7FC91E-6C5F-43FC-84A9-D3B1CDC7319D}"/>
+                <a16:creationId xmlns="" xmlns:a16="http://schemas.microsoft.com/office/drawing/2014/main" id="{4B7FC91E-6C5F-43FC-84A9-D3B1CDC7319D}"/>
               </a:ext>
             </a:extLst>
           </p:cNvPr>
@@ -4428,7 +5703,7 @@
           <a:graphicData uri="http://schemas.openxmlformats.org/presentationml/2006/ole">
             <mc:AlternateContent xmlns:mc="http://schemas.openxmlformats.org/markup-compatibility/2006">
               <mc:Choice xmlns:v="urn:schemas-microsoft-com:vml" Requires="v">
-                <p:oleObj spid="_x0000_s1032" name="Document" r:id="rId4" imgW="5765800" imgH="546100" progId="Word.Document.12">
+                <p:oleObj spid="_x0000_s1036" name="Document" r:id="rId4" imgW="5765800" imgH="546100" progId="Word.Document.12">
                   <p:embed/>
                 </p:oleObj>
               </mc:Choice>
@@ -4476,7 +5751,7 @@
 </p:sld>
 </file>
 
-<file path=ppt/slides/slide6.xml><?xml version="1.0" encoding="utf-8"?>
+<file path=ppt/slides/slide7.xml><?xml version="1.0" encoding="utf-8"?>
 <p:sld xmlns:a="http://schemas.openxmlformats.org/drawingml/2006/main" xmlns:r="http://schemas.openxmlformats.org/officeDocument/2006/relationships" xmlns:p="http://schemas.openxmlformats.org/presentationml/2006/main">
   <p:cSld>
     <p:spTree>
@@ -4498,7 +5773,7 @@
           <p:cNvPr id="2" name="Titre 1">
             <a:extLst>
               <a:ext uri="{FF2B5EF4-FFF2-40B4-BE49-F238E27FC236}">
-                <a16:creationId xmlns:a16="http://schemas.microsoft.com/office/drawing/2014/main" xmlns="" id="{86EE22C7-10AE-4AA6-88E9-E7AA4F9D9F5F}"/>
+                <a16:creationId xmlns="" xmlns:a16="http://schemas.microsoft.com/office/drawing/2014/main" id="{86EE22C7-10AE-4AA6-88E9-E7AA4F9D9F5F}"/>
               </a:ext>
             </a:extLst>
           </p:cNvPr>
@@ -4552,7 +5827,7 @@
           <p:cNvPr id="3" name="Espace réservé du numéro de diapositive 2">
             <a:extLst>
               <a:ext uri="{FF2B5EF4-FFF2-40B4-BE49-F238E27FC236}">
-                <a16:creationId xmlns:a16="http://schemas.microsoft.com/office/drawing/2014/main" xmlns="" id="{1F9345AA-D18E-4C71-A8E2-BCD9DF30A5A6}"/>
+                <a16:creationId xmlns="" xmlns:a16="http://schemas.microsoft.com/office/drawing/2014/main" id="{1F9345AA-D18E-4C71-A8E2-BCD9DF30A5A6}"/>
               </a:ext>
             </a:extLst>
           </p:cNvPr>
@@ -4570,20 +5845,20 @@
           <a:p>
             <a:fld id="{3B9124A2-E1D7-417D-88BC-63EA5DA45BC4}" type="slidenum">
               <a:rPr lang="fr-FR" smtClean="0"/>
-              <a:t>6</a:t>
+              <a:t>7</a:t>
             </a:fld>
             <a:endParaRPr lang="fr-FR" dirty="0"/>
           </a:p>
         </p:txBody>
       </p:sp>
-      <mc:AlternateContent xmlns:mc="http://schemas.openxmlformats.org/markup-compatibility/2006">
-        <mc:Choice xmlns:a14="http://schemas.microsoft.com/office/drawing/2010/main" Requires="a14">
+      <mc:AlternateContent xmlns:mc="http://schemas.openxmlformats.org/markup-compatibility/2006" xmlns:a14="http://schemas.microsoft.com/office/drawing/2010/main">
+        <mc:Choice Requires="a14">
           <p:sp>
             <p:nvSpPr>
               <p:cNvPr id="7" name="ZoneTexte 6">
                 <a:extLst>
                   <a:ext uri="{FF2B5EF4-FFF2-40B4-BE49-F238E27FC236}">
-                    <a16:creationId xmlns:a16="http://schemas.microsoft.com/office/drawing/2014/main" xmlns="" id="{CCD13A4E-6122-4D6E-BDA8-43A339B54112}"/>
+                    <a16:creationId xmlns="" xmlns:a16="http://schemas.microsoft.com/office/drawing/2014/main" id="{CCD13A4E-6122-4D6E-BDA8-43A339B54112}"/>
                   </a:ext>
                 </a:extLst>
               </p:cNvPr>
@@ -4607,7 +5882,7 @@
               <a:lstStyle/>
               <a:p>
                 <a14:m>
-                  <m:oMathPara xmlns:m="http://schemas.openxmlformats.org/officeDocument/2006/math" xmlns="">
+                  <m:oMathPara xmlns="" xmlns:m="http://schemas.openxmlformats.org/officeDocument/2006/math">
                     <m:oMathParaPr>
                       <m:jc m:val="centerGroup"/>
                     </m:oMathParaPr>
@@ -4638,7 +5913,7 @@
             </p:txBody>
           </p:sp>
         </mc:Choice>
-        <mc:Fallback>
+        <mc:Fallback xmlns="">
           <p:sp>
             <p:nvSpPr>
               <p:cNvPr id="7" name="ZoneTexte 6">
@@ -4688,7 +5963,7 @@
           <p:cNvPr id="1026" name="Picture 2" descr="Thermodynamique des mélanges/Diagrammes binaires — Wikiversité">
             <a:extLst>
               <a:ext uri="{FF2B5EF4-FFF2-40B4-BE49-F238E27FC236}">
-                <a16:creationId xmlns:a16="http://schemas.microsoft.com/office/drawing/2014/main" xmlns="" id="{7CEAE907-00C6-4994-A3E0-19B62693BB03}"/>
+                <a16:creationId xmlns="" xmlns:a16="http://schemas.microsoft.com/office/drawing/2014/main" id="{7CEAE907-00C6-4994-A3E0-19B62693BB03}"/>
               </a:ext>
             </a:extLst>
           </p:cNvPr>
@@ -4735,7 +6010,7 @@
           <p:cNvPr id="9" name="Rectangle 8">
             <a:extLst>
               <a:ext uri="{FF2B5EF4-FFF2-40B4-BE49-F238E27FC236}">
-                <a16:creationId xmlns:a16="http://schemas.microsoft.com/office/drawing/2014/main" xmlns="" id="{09300F2E-1EB7-45CF-8A61-1F361698BB36}"/>
+                <a16:creationId xmlns="" xmlns:a16="http://schemas.microsoft.com/office/drawing/2014/main" id="{09300F2E-1EB7-45CF-8A61-1F361698BB36}"/>
               </a:ext>
             </a:extLst>
           </p:cNvPr>
@@ -4772,7 +6047,7 @@
           <p:cNvPr id="11" name="Connecteur droit 10">
             <a:extLst>
               <a:ext uri="{FF2B5EF4-FFF2-40B4-BE49-F238E27FC236}">
-                <a16:creationId xmlns:a16="http://schemas.microsoft.com/office/drawing/2014/main" xmlns="" id="{8397E591-AB7A-4283-B86D-3748714E5688}"/>
+                <a16:creationId xmlns="" xmlns:a16="http://schemas.microsoft.com/office/drawing/2014/main" id="{8397E591-AB7A-4283-B86D-3748714E5688}"/>
               </a:ext>
             </a:extLst>
           </p:cNvPr>
@@ -4815,7 +6090,7 @@
           <p:cNvPr id="16" name="Connecteur droit 15">
             <a:extLst>
               <a:ext uri="{FF2B5EF4-FFF2-40B4-BE49-F238E27FC236}">
-                <a16:creationId xmlns:a16="http://schemas.microsoft.com/office/drawing/2014/main" xmlns="" id="{D352B668-E8EA-42E8-8FA2-EB16B0F16BAC}"/>
+                <a16:creationId xmlns="" xmlns:a16="http://schemas.microsoft.com/office/drawing/2014/main" id="{D352B668-E8EA-42E8-8FA2-EB16B0F16BAC}"/>
               </a:ext>
             </a:extLst>
           </p:cNvPr>
@@ -4864,7 +6139,7 @@
 </p:sld>
 </file>
 
-<file path=ppt/slides/slide7.xml><?xml version="1.0" encoding="utf-8"?>
+<file path=ppt/slides/slide8.xml><?xml version="1.0" encoding="utf-8"?>
 <p:sld xmlns:a="http://schemas.openxmlformats.org/drawingml/2006/main" xmlns:r="http://schemas.openxmlformats.org/officeDocument/2006/relationships" xmlns:p="http://schemas.openxmlformats.org/presentationml/2006/main">
   <p:cSld>
     <p:spTree>
@@ -4909,23 +6184,7 @@
                   <a:srgbClr val="CF8182"/>
                 </a:solidFill>
               </a:rPr>
-              <a:t>Diagramme</a:t>
-            </a:r>
-            <a:r>
-              <a:rPr lang="fr-FR" dirty="0">
-                <a:solidFill>
-                  <a:srgbClr val="CF8182"/>
-                </a:solidFill>
-              </a:rPr>
-              <a:t> </a:t>
-            </a:r>
-            <a:r>
-              <a:rPr lang="fr-FR" dirty="0">
-                <a:solidFill>
-                  <a:srgbClr val="CF8182"/>
-                </a:solidFill>
-              </a:rPr>
-              <a:t>binaire Cuivre-Or</a:t>
+              <a:t>Diagramme binaire Cuivre-Or</a:t>
             </a:r>
             <a:br>
               <a:rPr lang="fr-FR" dirty="0">
@@ -4940,21 +6199,8 @@
                   <a:srgbClr val="CF8182"/>
                 </a:solidFill>
               </a:rPr>
-              <a:t>Solution soli</a:t>
-            </a:r>
-            <a:r>
-              <a:rPr lang="fr-FR" dirty="0">
-                <a:solidFill>
-                  <a:srgbClr val="CF8182"/>
-                </a:solidFill>
-              </a:rPr>
-              <a:t>de non idéale</a:t>
-            </a:r>
-            <a:endParaRPr lang="fr-FR" dirty="0">
-              <a:solidFill>
-                <a:srgbClr val="CF8182"/>
-              </a:solidFill>
-            </a:endParaRPr>
+              <a:t>Solution solide non idéale</a:t>
+            </a:r>
           </a:p>
         </p:txBody>
       </p:sp>
@@ -4975,7 +6221,7 @@
           <a:p>
             <a:fld id="{3B9124A2-E1D7-417D-88BC-63EA5DA45BC4}" type="slidenum">
               <a:rPr lang="fr-FR" smtClean="0"/>
-              <a:t>7</a:t>
+              <a:t>8</a:t>
             </a:fld>
             <a:endParaRPr lang="fr-FR"/>
           </a:p>
@@ -5021,818 +6267,6 @@
     <p:extLst>
       <p:ext uri="{BB962C8B-B14F-4D97-AF65-F5344CB8AC3E}">
         <p14:creationId xmlns:p14="http://schemas.microsoft.com/office/powerpoint/2010/main" val="1640204862"/>
-      </p:ext>
-    </p:extLst>
-  </p:cSld>
-  <p:clrMapOvr>
-    <a:masterClrMapping/>
-  </p:clrMapOvr>
-</p:sld>
-</file>
-
-<file path=ppt/slides/slide8.xml><?xml version="1.0" encoding="utf-8"?>
-<p:sld xmlns:a="http://schemas.openxmlformats.org/drawingml/2006/main" xmlns:r="http://schemas.openxmlformats.org/officeDocument/2006/relationships" xmlns:p="http://schemas.openxmlformats.org/presentationml/2006/main">
-  <p:cSld>
-    <p:spTree>
-      <p:nvGrpSpPr>
-        <p:cNvPr id="1" name=""/>
-        <p:cNvGrpSpPr/>
-        <p:nvPr/>
-      </p:nvGrpSpPr>
-      <p:grpSpPr>
-        <a:xfrm>
-          <a:off x="0" y="0"/>
-          <a:ext cx="0" cy="0"/>
-          <a:chOff x="0" y="0"/>
-          <a:chExt cx="0" cy="0"/>
-        </a:xfrm>
-      </p:grpSpPr>
-      <p:sp>
-        <p:nvSpPr>
-          <p:cNvPr id="2" name="Titre 1">
-            <a:extLst>
-              <a:ext uri="{FF2B5EF4-FFF2-40B4-BE49-F238E27FC236}">
-                <a16:creationId xmlns:a16="http://schemas.microsoft.com/office/drawing/2014/main" xmlns="" id="{D1044136-A0C9-48BA-B304-1DAFA461FA49}"/>
-              </a:ext>
-            </a:extLst>
-          </p:cNvPr>
-          <p:cNvSpPr>
-            <a:spLocks noGrp="1"/>
-          </p:cNvSpPr>
-          <p:nvPr>
-            <p:ph type="title"/>
-          </p:nvPr>
-        </p:nvSpPr>
-        <p:spPr>
-          <a:xfrm>
-            <a:off x="567321" y="449566"/>
-            <a:ext cx="7543800" cy="457748"/>
-          </a:xfrm>
-        </p:spPr>
-        <p:txBody>
-          <a:bodyPr>
-            <a:normAutofit fontScale="90000"/>
-          </a:bodyPr>
-          <a:lstStyle/>
-          <a:p>
-            <a:r>
-              <a:rPr lang="fr-FR" sz="3100" dirty="0">
-                <a:solidFill>
-                  <a:srgbClr val="CF8182"/>
-                </a:solidFill>
-              </a:rPr>
-              <a:t>Diagramme</a:t>
-            </a:r>
-            <a:r>
-              <a:rPr lang="fr-FR" dirty="0"/>
-              <a:t> </a:t>
-            </a:r>
-            <a:r>
-              <a:rPr lang="fr-FR" sz="3100" dirty="0">
-                <a:solidFill>
-                  <a:srgbClr val="CF8182"/>
-                </a:solidFill>
-              </a:rPr>
-              <a:t>binaire </a:t>
-            </a:r>
-            <a:r>
-              <a:rPr lang="fr-FR" sz="3100" dirty="0">
-                <a:solidFill>
-                  <a:srgbClr val="CF8182"/>
-                </a:solidFill>
-              </a:rPr>
-              <a:t>Pb/Sn</a:t>
-            </a:r>
-            <a:r>
-              <a:rPr lang="fr-FR" sz="3100" dirty="0">
-                <a:solidFill>
-                  <a:srgbClr val="CF8182"/>
-                </a:solidFill>
-              </a:rPr>
-              <a:t/>
-            </a:r>
-            <a:br>
-              <a:rPr lang="fr-FR" sz="3100" dirty="0">
-                <a:solidFill>
-                  <a:srgbClr val="CF8182"/>
-                </a:solidFill>
-              </a:rPr>
-            </a:br>
-            <a:r>
-              <a:rPr lang="fr-FR" sz="3100" dirty="0">
-                <a:solidFill>
-                  <a:srgbClr val="CF8182"/>
-                </a:solidFill>
-              </a:rPr>
-              <a:t>Solides non-miscibles</a:t>
-            </a:r>
-          </a:p>
-        </p:txBody>
-      </p:sp>
-      <p:sp>
-        <p:nvSpPr>
-          <p:cNvPr id="3" name="Espace réservé du numéro de diapositive 2">
-            <a:extLst>
-              <a:ext uri="{FF2B5EF4-FFF2-40B4-BE49-F238E27FC236}">
-                <a16:creationId xmlns:a16="http://schemas.microsoft.com/office/drawing/2014/main" xmlns="" id="{51E1CC5A-AD1A-4051-957C-200707303F1A}"/>
-              </a:ext>
-            </a:extLst>
-          </p:cNvPr>
-          <p:cNvSpPr>
-            <a:spLocks noGrp="1"/>
-          </p:cNvSpPr>
-          <p:nvPr>
-            <p:ph type="sldNum" sz="quarter" idx="12"/>
-          </p:nvPr>
-        </p:nvSpPr>
-        <p:spPr/>
-        <p:txBody>
-          <a:bodyPr/>
-          <a:lstStyle/>
-          <a:p>
-            <a:fld id="{3B9124A2-E1D7-417D-88BC-63EA5DA45BC4}" type="slidenum">
-              <a:rPr lang="fr-FR" smtClean="0"/>
-              <a:t>8</a:t>
-            </a:fld>
-            <a:endParaRPr lang="fr-FR" dirty="0"/>
-          </a:p>
-        </p:txBody>
-      </p:sp>
-      <p:pic>
-        <p:nvPicPr>
-          <p:cNvPr id="4" name="Image 3">
-            <a:extLst>
-              <a:ext uri="{FF2B5EF4-FFF2-40B4-BE49-F238E27FC236}">
-                <a16:creationId xmlns:a16="http://schemas.microsoft.com/office/drawing/2014/main" xmlns="" id="{EFA45FB8-B50C-4F91-B8B2-40381D959541}"/>
-              </a:ext>
-            </a:extLst>
-          </p:cNvPr>
-          <p:cNvPicPr>
-            <a:picLocks noChangeAspect="1"/>
-          </p:cNvPicPr>
-          <p:nvPr/>
-        </p:nvPicPr>
-        <p:blipFill>
-          <a:blip r:embed="rId2"/>
-          <a:stretch>
-            <a:fillRect/>
-          </a:stretch>
-        </p:blipFill>
-        <p:spPr>
-          <a:xfrm>
-            <a:off x="1486742" y="1385880"/>
-            <a:ext cx="6216235" cy="3377996"/>
-          </a:xfrm>
-          <a:prstGeom prst="rect">
-            <a:avLst/>
-          </a:prstGeom>
-        </p:spPr>
-      </p:pic>
-      <p:sp>
-        <p:nvSpPr>
-          <p:cNvPr id="5" name="ZoneTexte 4"/>
-          <p:cNvSpPr txBox="1"/>
-          <p:nvPr/>
-        </p:nvSpPr>
-        <p:spPr>
-          <a:xfrm>
-            <a:off x="5319662" y="2157940"/>
-            <a:ext cx="399639" cy="246221"/>
-          </a:xfrm>
-          <a:prstGeom prst="rect">
-            <a:avLst/>
-          </a:prstGeom>
-          <a:solidFill>
-            <a:srgbClr val="FFFFFF"/>
-          </a:solidFill>
-        </p:spPr>
-        <p:txBody>
-          <a:bodyPr wrap="square" rtlCol="0">
-            <a:spAutoFit/>
-          </a:bodyPr>
-          <a:lstStyle/>
-          <a:p>
-            <a:r>
-              <a:rPr lang="fr-FR" sz="1000" dirty="0" smtClean="0"/>
-              <a:t>325</a:t>
-            </a:r>
-            <a:endParaRPr lang="fr-FR" sz="1000" dirty="0"/>
-          </a:p>
-        </p:txBody>
-      </p:sp>
-      <p:sp>
-        <p:nvSpPr>
-          <p:cNvPr id="7" name="ZoneTexte 6"/>
-          <p:cNvSpPr txBox="1"/>
-          <p:nvPr/>
-        </p:nvSpPr>
-        <p:spPr>
-          <a:xfrm>
-            <a:off x="6937411" y="2541231"/>
-            <a:ext cx="399639" cy="246221"/>
-          </a:xfrm>
-          <a:prstGeom prst="rect">
-            <a:avLst/>
-          </a:prstGeom>
-          <a:solidFill>
-            <a:srgbClr val="FFFFFF"/>
-          </a:solidFill>
-        </p:spPr>
-        <p:txBody>
-          <a:bodyPr wrap="square" rtlCol="0">
-            <a:spAutoFit/>
-          </a:bodyPr>
-          <a:lstStyle/>
-          <a:p>
-            <a:r>
-              <a:rPr lang="fr-FR" sz="1000" dirty="0" smtClean="0"/>
-              <a:t>273</a:t>
-            </a:r>
-            <a:endParaRPr lang="fr-FR" sz="1000" dirty="0"/>
-          </a:p>
-        </p:txBody>
-      </p:sp>
-      <p:sp>
-        <p:nvSpPr>
-          <p:cNvPr id="8" name="ZoneTexte 7"/>
-          <p:cNvSpPr txBox="1"/>
-          <p:nvPr/>
-        </p:nvSpPr>
-        <p:spPr>
-          <a:xfrm>
-            <a:off x="5846484" y="4141139"/>
-            <a:ext cx="441195" cy="246221"/>
-          </a:xfrm>
-          <a:prstGeom prst="rect">
-            <a:avLst/>
-          </a:prstGeom>
-          <a:solidFill>
-            <a:srgbClr val="FFFFFF"/>
-          </a:solidFill>
-        </p:spPr>
-        <p:txBody>
-          <a:bodyPr wrap="square" rtlCol="0">
-            <a:spAutoFit/>
-          </a:bodyPr>
-          <a:lstStyle/>
-          <a:p>
-            <a:r>
-              <a:rPr lang="fr-FR" sz="1000" dirty="0" smtClean="0"/>
-              <a:t>0,38</a:t>
-            </a:r>
-            <a:endParaRPr lang="fr-FR" sz="1000" dirty="0"/>
-          </a:p>
-        </p:txBody>
-      </p:sp>
-      <p:sp>
-        <p:nvSpPr>
-          <p:cNvPr id="10" name="ZoneTexte 9"/>
-          <p:cNvSpPr txBox="1"/>
-          <p:nvPr/>
-        </p:nvSpPr>
-        <p:spPr>
-          <a:xfrm>
-            <a:off x="7231906" y="4034572"/>
-            <a:ext cx="583289" cy="246221"/>
-          </a:xfrm>
-          <a:prstGeom prst="rect">
-            <a:avLst/>
-          </a:prstGeom>
-          <a:solidFill>
-            <a:srgbClr val="FFFFFF"/>
-          </a:solidFill>
-        </p:spPr>
-        <p:txBody>
-          <a:bodyPr wrap="square" rtlCol="0">
-            <a:spAutoFit/>
-          </a:bodyPr>
-          <a:lstStyle/>
-          <a:p>
-            <a:r>
-              <a:rPr lang="fr-FR" sz="1000" dirty="0"/>
-              <a:t>w</a:t>
-            </a:r>
-            <a:r>
-              <a:rPr lang="fr-FR" sz="1000" dirty="0" smtClean="0"/>
-              <a:t>(Pb)</a:t>
-            </a:r>
-            <a:endParaRPr lang="fr-FR" sz="1000" dirty="0"/>
-          </a:p>
-        </p:txBody>
-      </p:sp>
-      <p:sp>
-        <p:nvSpPr>
-          <p:cNvPr id="12" name="ZoneTexte 11"/>
-          <p:cNvSpPr txBox="1"/>
-          <p:nvPr/>
-        </p:nvSpPr>
-        <p:spPr>
-          <a:xfrm>
-            <a:off x="6725694" y="4256583"/>
-            <a:ext cx="399639" cy="246221"/>
-          </a:xfrm>
-          <a:prstGeom prst="rect">
-            <a:avLst/>
-          </a:prstGeom>
-          <a:solidFill>
-            <a:srgbClr val="FFFFFF"/>
-          </a:solidFill>
-        </p:spPr>
-        <p:txBody>
-          <a:bodyPr wrap="square" rtlCol="0">
-            <a:spAutoFit/>
-          </a:bodyPr>
-          <a:lstStyle/>
-          <a:p>
-            <a:r>
-              <a:rPr lang="fr-FR" sz="1000" dirty="0" smtClean="0"/>
-              <a:t>Pb</a:t>
-            </a:r>
-            <a:endParaRPr lang="fr-FR" sz="1000" dirty="0"/>
-          </a:p>
-        </p:txBody>
-      </p:sp>
-      <p:sp>
-        <p:nvSpPr>
-          <p:cNvPr id="14" name="ZoneTexte 13"/>
-          <p:cNvSpPr txBox="1"/>
-          <p:nvPr/>
-        </p:nvSpPr>
-        <p:spPr>
-          <a:xfrm>
-            <a:off x="5171536" y="4292105"/>
-            <a:ext cx="399639" cy="246221"/>
-          </a:xfrm>
-          <a:prstGeom prst="rect">
-            <a:avLst/>
-          </a:prstGeom>
-          <a:solidFill>
-            <a:srgbClr val="FFFFFF"/>
-          </a:solidFill>
-        </p:spPr>
-        <p:txBody>
-          <a:bodyPr wrap="square" rtlCol="0">
-            <a:spAutoFit/>
-          </a:bodyPr>
-          <a:lstStyle/>
-          <a:p>
-            <a:r>
-              <a:rPr lang="fr-FR" sz="1000" dirty="0" smtClean="0"/>
-              <a:t>Sn</a:t>
-            </a:r>
-            <a:endParaRPr lang="fr-FR" sz="1000" dirty="0"/>
-          </a:p>
-        </p:txBody>
-      </p:sp>
-      <p:sp>
-        <p:nvSpPr>
-          <p:cNvPr id="15" name="ZoneTexte 14"/>
-          <p:cNvSpPr txBox="1"/>
-          <p:nvPr/>
-        </p:nvSpPr>
-        <p:spPr>
-          <a:xfrm>
-            <a:off x="5677748" y="3777041"/>
-            <a:ext cx="885239" cy="246221"/>
-          </a:xfrm>
-          <a:prstGeom prst="rect">
-            <a:avLst/>
-          </a:prstGeom>
-          <a:solidFill>
-            <a:srgbClr val="FFFFFF"/>
-          </a:solidFill>
-        </p:spPr>
-        <p:txBody>
-          <a:bodyPr wrap="square" rtlCol="0">
-            <a:spAutoFit/>
-          </a:bodyPr>
-          <a:lstStyle/>
-          <a:p>
-            <a:r>
-              <a:rPr lang="fr-FR" sz="1000" dirty="0" smtClean="0"/>
-              <a:t>Sn(s) +Pb(s)</a:t>
-            </a:r>
-            <a:endParaRPr lang="fr-FR" sz="1000" dirty="0"/>
-          </a:p>
-        </p:txBody>
-      </p:sp>
-      <p:sp>
-        <p:nvSpPr>
-          <p:cNvPr id="16" name="ZoneTexte 15"/>
-          <p:cNvSpPr txBox="1"/>
-          <p:nvPr/>
-        </p:nvSpPr>
-        <p:spPr>
-          <a:xfrm>
-            <a:off x="6468147" y="3182054"/>
-            <a:ext cx="399639" cy="215444"/>
-          </a:xfrm>
-          <a:prstGeom prst="rect">
-            <a:avLst/>
-          </a:prstGeom>
-          <a:solidFill>
-            <a:srgbClr val="FFFFFF"/>
-          </a:solidFill>
-        </p:spPr>
-        <p:txBody>
-          <a:bodyPr wrap="square" rtlCol="0">
-            <a:spAutoFit/>
-          </a:bodyPr>
-          <a:lstStyle/>
-          <a:p>
-            <a:r>
-              <a:rPr lang="fr-FR" sz="800" dirty="0" smtClean="0"/>
-              <a:t>Pb(s)</a:t>
-            </a:r>
-            <a:endParaRPr lang="fr-FR" sz="800" dirty="0"/>
-          </a:p>
-        </p:txBody>
-      </p:sp>
-      <p:sp>
-        <p:nvSpPr>
-          <p:cNvPr id="17" name="ZoneTexte 16"/>
-          <p:cNvSpPr txBox="1"/>
-          <p:nvPr/>
-        </p:nvSpPr>
-        <p:spPr>
-          <a:xfrm>
-            <a:off x="5293018" y="3137645"/>
-            <a:ext cx="461807" cy="215444"/>
-          </a:xfrm>
-          <a:prstGeom prst="rect">
-            <a:avLst/>
-          </a:prstGeom>
-          <a:solidFill>
-            <a:srgbClr val="FFFFFF"/>
-          </a:solidFill>
-          <a:effectLst/>
-        </p:spPr>
-        <p:txBody>
-          <a:bodyPr wrap="square" rtlCol="0">
-            <a:spAutoFit/>
-          </a:bodyPr>
-          <a:lstStyle/>
-          <a:p>
-            <a:r>
-              <a:rPr lang="fr-FR" sz="800" dirty="0" smtClean="0"/>
-              <a:t>Sn(s)</a:t>
-            </a:r>
-            <a:endParaRPr lang="fr-FR" sz="800" dirty="0"/>
-          </a:p>
-        </p:txBody>
-      </p:sp>
-      <p:cxnSp>
-        <p:nvCxnSpPr>
-          <p:cNvPr id="19" name="Connecteur droit 18"/>
-          <p:cNvCxnSpPr/>
-          <p:nvPr/>
-        </p:nvCxnSpPr>
-        <p:spPr>
-          <a:xfrm>
-            <a:off x="5666015" y="2157940"/>
-            <a:ext cx="0" cy="328575"/>
-          </a:xfrm>
-          <a:prstGeom prst="line">
-            <a:avLst/>
-          </a:prstGeom>
-          <a:ln w="9525" cmpd="sng">
-            <a:solidFill>
-              <a:schemeClr val="tx1"/>
-            </a:solidFill>
-            <a:prstDash val="dash"/>
-          </a:ln>
-        </p:spPr>
-        <p:style>
-          <a:lnRef idx="2">
-            <a:schemeClr val="accent1"/>
-          </a:lnRef>
-          <a:fillRef idx="0">
-            <a:schemeClr val="accent1"/>
-          </a:fillRef>
-          <a:effectRef idx="1">
-            <a:schemeClr val="accent1"/>
-          </a:effectRef>
-          <a:fontRef idx="minor">
-            <a:schemeClr val="tx1"/>
-          </a:fontRef>
-        </p:style>
-      </p:cxnSp>
-      <p:cxnSp>
-        <p:nvCxnSpPr>
-          <p:cNvPr id="20" name="Connecteur droit 19"/>
-          <p:cNvCxnSpPr/>
-          <p:nvPr/>
-        </p:nvCxnSpPr>
-        <p:spPr>
-          <a:xfrm>
-            <a:off x="5694082" y="3740086"/>
-            <a:ext cx="0" cy="328575"/>
-          </a:xfrm>
-          <a:prstGeom prst="line">
-            <a:avLst/>
-          </a:prstGeom>
-          <a:ln w="9525" cmpd="sng">
-            <a:solidFill>
-              <a:schemeClr val="tx1"/>
-            </a:solidFill>
-            <a:prstDash val="dash"/>
-          </a:ln>
-        </p:spPr>
-        <p:style>
-          <a:lnRef idx="2">
-            <a:schemeClr val="accent1"/>
-          </a:lnRef>
-          <a:fillRef idx="0">
-            <a:schemeClr val="accent1"/>
-          </a:fillRef>
-          <a:effectRef idx="1">
-            <a:schemeClr val="accent1"/>
-          </a:effectRef>
-          <a:fontRef idx="minor">
-            <a:schemeClr val="tx1"/>
-          </a:fontRef>
-        </p:style>
-      </p:cxnSp>
-      <p:cxnSp>
-        <p:nvCxnSpPr>
-          <p:cNvPr id="21" name="Connecteur droit 20"/>
-          <p:cNvCxnSpPr/>
-          <p:nvPr/>
-        </p:nvCxnSpPr>
-        <p:spPr>
-          <a:xfrm>
-            <a:off x="6388219" y="3750400"/>
-            <a:ext cx="0" cy="328575"/>
-          </a:xfrm>
-          <a:prstGeom prst="line">
-            <a:avLst/>
-          </a:prstGeom>
-          <a:ln w="9525" cmpd="sng">
-            <a:solidFill>
-              <a:schemeClr val="tx1"/>
-            </a:solidFill>
-            <a:prstDash val="dash"/>
-          </a:ln>
-        </p:spPr>
-        <p:style>
-          <a:lnRef idx="2">
-            <a:schemeClr val="accent1"/>
-          </a:lnRef>
-          <a:fillRef idx="0">
-            <a:schemeClr val="accent1"/>
-          </a:fillRef>
-          <a:effectRef idx="1">
-            <a:schemeClr val="accent1"/>
-          </a:effectRef>
-          <a:fontRef idx="minor">
-            <a:schemeClr val="tx1"/>
-          </a:fontRef>
-        </p:style>
-      </p:cxnSp>
-      <p:sp>
-        <p:nvSpPr>
-          <p:cNvPr id="23" name="ZoneTexte 22"/>
-          <p:cNvSpPr txBox="1"/>
-          <p:nvPr/>
-        </p:nvSpPr>
-        <p:spPr>
-          <a:xfrm>
-            <a:off x="1691647" y="1425165"/>
-            <a:ext cx="885239" cy="246221"/>
-          </a:xfrm>
-          <a:prstGeom prst="rect">
-            <a:avLst/>
-          </a:prstGeom>
-          <a:solidFill>
-            <a:srgbClr val="FFFFFF"/>
-          </a:solidFill>
-        </p:spPr>
-        <p:txBody>
-          <a:bodyPr wrap="square" rtlCol="0">
-            <a:spAutoFit/>
-          </a:bodyPr>
-          <a:lstStyle/>
-          <a:p>
-            <a:r>
-              <a:rPr lang="fr-FR" sz="1000" dirty="0"/>
-              <a:t>Sn pur</a:t>
-            </a:r>
-            <a:endParaRPr lang="fr-FR" sz="1000" dirty="0"/>
-          </a:p>
-        </p:txBody>
-      </p:sp>
-      <p:sp>
-        <p:nvSpPr>
-          <p:cNvPr id="25" name="ZoneTexte 24"/>
-          <p:cNvSpPr txBox="1"/>
-          <p:nvPr/>
-        </p:nvSpPr>
-        <p:spPr>
-          <a:xfrm>
-            <a:off x="3895536" y="1399958"/>
-            <a:ext cx="885239" cy="246221"/>
-          </a:xfrm>
-          <a:prstGeom prst="rect">
-            <a:avLst/>
-          </a:prstGeom>
-          <a:solidFill>
-            <a:srgbClr val="FFFFFF"/>
-          </a:solidFill>
-        </p:spPr>
-        <p:txBody>
-          <a:bodyPr wrap="square" rtlCol="0">
-            <a:spAutoFit/>
-          </a:bodyPr>
-          <a:lstStyle/>
-          <a:p>
-            <a:r>
-              <a:rPr lang="fr-FR" sz="1000" dirty="0" smtClean="0"/>
-              <a:t>Pb pur</a:t>
-            </a:r>
-            <a:endParaRPr lang="fr-FR" sz="1000" dirty="0"/>
-          </a:p>
-        </p:txBody>
-      </p:sp>
-      <p:sp>
-        <p:nvSpPr>
-          <p:cNvPr id="26" name="ZoneTexte 25"/>
-          <p:cNvSpPr txBox="1"/>
-          <p:nvPr/>
-        </p:nvSpPr>
-        <p:spPr>
-          <a:xfrm>
-            <a:off x="843686" y="4529009"/>
-            <a:ext cx="184666" cy="369332"/>
-          </a:xfrm>
-          <a:prstGeom prst="rect">
-            <a:avLst/>
-          </a:prstGeom>
-          <a:noFill/>
-        </p:spPr>
-        <p:txBody>
-          <a:bodyPr wrap="none" rtlCol="0">
-            <a:spAutoFit/>
-          </a:bodyPr>
-          <a:lstStyle/>
-          <a:p>
-            <a:endParaRPr lang="fr-FR" dirty="0"/>
-          </a:p>
-        </p:txBody>
-      </p:sp>
-      <p:sp>
-        <p:nvSpPr>
-          <p:cNvPr id="27" name="ZoneTexte 26"/>
-          <p:cNvSpPr txBox="1"/>
-          <p:nvPr/>
-        </p:nvSpPr>
-        <p:spPr>
-          <a:xfrm>
-            <a:off x="2181520" y="4259450"/>
-            <a:ext cx="1326436" cy="246221"/>
-          </a:xfrm>
-          <a:prstGeom prst="rect">
-            <a:avLst/>
-          </a:prstGeom>
-          <a:solidFill>
-            <a:srgbClr val="FFFFFF"/>
-          </a:solidFill>
-          <a:ln>
-            <a:solidFill>
-              <a:schemeClr val="tx1"/>
-            </a:solidFill>
-          </a:ln>
-        </p:spPr>
-        <p:txBody>
-          <a:bodyPr wrap="square" rtlCol="0">
-            <a:spAutoFit/>
-          </a:bodyPr>
-          <a:lstStyle/>
-          <a:p>
-            <a:r>
-              <a:rPr lang="fr-FR" sz="1000" dirty="0" err="1" smtClean="0"/>
-              <a:t>Liq</a:t>
-            </a:r>
-            <a:r>
-              <a:rPr lang="fr-FR" sz="1000" dirty="0" smtClean="0"/>
-              <a:t> + Sn(s) + Pb(s)</a:t>
-            </a:r>
-            <a:endParaRPr lang="fr-FR" sz="1000" dirty="0"/>
-          </a:p>
-        </p:txBody>
-      </p:sp>
-      <p:sp>
-        <p:nvSpPr>
-          <p:cNvPr id="28" name="ZoneTexte 27"/>
-          <p:cNvSpPr txBox="1"/>
-          <p:nvPr/>
-        </p:nvSpPr>
-        <p:spPr>
-          <a:xfrm>
-            <a:off x="3603889" y="4260883"/>
-            <a:ext cx="1040823" cy="246221"/>
-          </a:xfrm>
-          <a:prstGeom prst="rect">
-            <a:avLst/>
-          </a:prstGeom>
-          <a:solidFill>
-            <a:srgbClr val="FFFFFF"/>
-          </a:solidFill>
-          <a:ln>
-            <a:solidFill>
-              <a:schemeClr val="tx1"/>
-            </a:solidFill>
-          </a:ln>
-        </p:spPr>
-        <p:txBody>
-          <a:bodyPr wrap="square" rtlCol="0">
-            <a:spAutoFit/>
-          </a:bodyPr>
-          <a:lstStyle/>
-          <a:p>
-            <a:r>
-              <a:rPr lang="fr-FR" sz="1000" dirty="0" smtClean="0"/>
-              <a:t>Sn(s) + Pb(s)</a:t>
-            </a:r>
-            <a:endParaRPr lang="fr-FR" sz="1000" dirty="0"/>
-          </a:p>
-        </p:txBody>
-      </p:sp>
-      <p:sp>
-        <p:nvSpPr>
-          <p:cNvPr id="30" name="ZoneTexte 29"/>
-          <p:cNvSpPr txBox="1"/>
-          <p:nvPr/>
-        </p:nvSpPr>
-        <p:spPr>
-          <a:xfrm>
-            <a:off x="3170481" y="3122754"/>
-            <a:ext cx="559497" cy="200055"/>
-          </a:xfrm>
-          <a:prstGeom prst="rect">
-            <a:avLst/>
-          </a:prstGeom>
-          <a:solidFill>
-            <a:srgbClr val="FFFFFF"/>
-          </a:solidFill>
-        </p:spPr>
-        <p:txBody>
-          <a:bodyPr wrap="square" rtlCol="0">
-            <a:spAutoFit/>
-          </a:bodyPr>
-          <a:lstStyle/>
-          <a:p>
-            <a:r>
-              <a:rPr lang="fr-FR" sz="700" dirty="0" err="1" smtClean="0"/>
-              <a:t>Liq</a:t>
-            </a:r>
-            <a:r>
-              <a:rPr lang="fr-FR" sz="700" dirty="0" smtClean="0"/>
-              <a:t>+ Sn(s)</a:t>
-            </a:r>
-            <a:endParaRPr lang="fr-FR" sz="700" dirty="0"/>
-          </a:p>
-        </p:txBody>
-      </p:sp>
-      <p:sp>
-        <p:nvSpPr>
-          <p:cNvPr id="31" name="ZoneTexte 30"/>
-          <p:cNvSpPr txBox="1"/>
-          <p:nvPr/>
-        </p:nvSpPr>
-        <p:spPr>
-          <a:xfrm>
-            <a:off x="4335304" y="3026503"/>
-            <a:ext cx="559497" cy="200055"/>
-          </a:xfrm>
-          <a:prstGeom prst="rect">
-            <a:avLst/>
-          </a:prstGeom>
-          <a:solidFill>
-            <a:srgbClr val="FFFFFF"/>
-          </a:solidFill>
-        </p:spPr>
-        <p:txBody>
-          <a:bodyPr wrap="square" rtlCol="0">
-            <a:spAutoFit/>
-          </a:bodyPr>
-          <a:lstStyle/>
-          <a:p>
-            <a:r>
-              <a:rPr lang="fr-FR" sz="700" dirty="0" err="1" smtClean="0"/>
-              <a:t>Liq</a:t>
-            </a:r>
-            <a:r>
-              <a:rPr lang="fr-FR" sz="700" dirty="0" smtClean="0"/>
-              <a:t>+ Pb(s)</a:t>
-            </a:r>
-            <a:endParaRPr lang="fr-FR" sz="700" dirty="0"/>
-          </a:p>
-        </p:txBody>
-      </p:sp>
-    </p:spTree>
-    <p:extLst>
-      <p:ext uri="{BB962C8B-B14F-4D97-AF65-F5344CB8AC3E}">
-        <p14:creationId xmlns:p14="http://schemas.microsoft.com/office/powerpoint/2010/main" val="3626518295"/>
       </p:ext>
     </p:extLst>
   </p:cSld>
@@ -5861,13 +6295,64 @@
       </p:grpSpPr>
       <p:sp>
         <p:nvSpPr>
-          <p:cNvPr id="2" name="Espace réservé du numéro de diapositive 1">
-            <a:extLst>
-              <a:ext uri="{FF2B5EF4-FFF2-40B4-BE49-F238E27FC236}">
-                <a16:creationId xmlns="" xmlns:a16="http://schemas.microsoft.com/office/drawing/2014/main" id="{391F1C49-92D0-453E-8AD7-1D0FB8301D5C}"/>
-              </a:ext>
-            </a:extLst>
-          </p:cNvPr>
+          <p:cNvPr id="2" name="Titre 1"/>
+          <p:cNvSpPr>
+            <a:spLocks noGrp="1"/>
+          </p:cNvSpPr>
+          <p:nvPr>
+            <p:ph type="title"/>
+          </p:nvPr>
+        </p:nvSpPr>
+        <p:spPr>
+          <a:xfrm>
+            <a:off x="369890" y="262468"/>
+            <a:ext cx="7977304" cy="457748"/>
+          </a:xfrm>
+        </p:spPr>
+        <p:txBody>
+          <a:bodyPr>
+            <a:normAutofit fontScale="90000"/>
+          </a:bodyPr>
+          <a:lstStyle/>
+          <a:p>
+            <a:r>
+              <a:rPr lang="fr-FR" dirty="0" smtClean="0">
+                <a:solidFill>
+                  <a:srgbClr val="CF8182"/>
+                </a:solidFill>
+              </a:rPr>
+              <a:t>Courbes d’analyse thermique au </a:t>
+            </a:r>
+            <a:r>
+              <a:rPr lang="fr-FR" dirty="0">
+                <a:solidFill>
+                  <a:srgbClr val="CF8182"/>
+                </a:solidFill>
+              </a:rPr>
+              <a:t>refroidissement </a:t>
+            </a:r>
+            <a:r>
+              <a:rPr lang="fr-FR" dirty="0" smtClean="0">
+                <a:solidFill>
+                  <a:srgbClr val="CF8182"/>
+                </a:solidFill>
+              </a:rPr>
+              <a:t>- Pb</a:t>
+            </a:r>
+            <a:r>
+              <a:rPr lang="fr-FR" dirty="0">
+                <a:solidFill>
+                  <a:srgbClr val="CF8182"/>
+                </a:solidFill>
+              </a:rPr>
+              <a:t>/Sn </a:t>
+            </a:r>
+          </a:p>
+        </p:txBody>
+      </p:sp>
+      <p:sp>
+        <p:nvSpPr>
+          <p:cNvPr id="3" name="Espace réservé du numéro de diapositive 2"/>
           <p:cNvSpPr>
             <a:spLocks noGrp="1"/>
           </p:cNvSpPr>
@@ -5880,115 +6365,48 @@
           <a:bodyPr/>
           <a:lstStyle/>
           <a:p>
-            <a:fld id="{4FAB73BC-B049-4115-A692-8D63A059BFB8}" type="slidenum">
-              <a:rPr lang="en-US" smtClean="0"/>
-              <a:pPr/>
+            <a:fld id="{3B9124A2-E1D7-417D-88BC-63EA5DA45BC4}" type="slidenum">
+              <a:rPr lang="fr-FR" smtClean="0"/>
               <a:t>9</a:t>
             </a:fld>
-            <a:endParaRPr lang="en-US" dirty="0"/>
-          </a:p>
-        </p:txBody>
-      </p:sp>
-      <p:sp>
-        <p:nvSpPr>
-          <p:cNvPr id="3" name="Titre 2">
-            <a:extLst>
-              <a:ext uri="{FF2B5EF4-FFF2-40B4-BE49-F238E27FC236}">
-                <a16:creationId xmlns="" xmlns:a16="http://schemas.microsoft.com/office/drawing/2014/main" id="{7E1FFC24-D864-4D33-B1DD-293C02103183}"/>
-              </a:ext>
-            </a:extLst>
-          </p:cNvPr>
-          <p:cNvSpPr>
-            <a:spLocks noGrp="1"/>
-          </p:cNvSpPr>
-          <p:nvPr>
-            <p:ph type="title"/>
-          </p:nvPr>
-        </p:nvSpPr>
-        <p:spPr>
-          <a:xfrm>
-            <a:off x="653783" y="267690"/>
-            <a:ext cx="7543800" cy="636857"/>
-          </a:xfrm>
-        </p:spPr>
-        <p:txBody>
-          <a:bodyPr/>
-          <a:lstStyle/>
-          <a:p>
-            <a:pPr algn="ctr"/>
-            <a:r>
-              <a:rPr lang="fr-FR" sz="3200" dirty="0"/>
-              <a:t>Diagramme binaire et composé défini (Mg-Si)</a:t>
-            </a:r>
+            <a:endParaRPr lang="fr-FR"/>
           </a:p>
         </p:txBody>
       </p:sp>
       <p:pic>
         <p:nvPicPr>
-          <p:cNvPr id="4" name="Image 3">
-            <a:extLst>
-              <a:ext uri="{FF2B5EF4-FFF2-40B4-BE49-F238E27FC236}">
-                <a16:creationId xmlns="" xmlns:a16="http://schemas.microsoft.com/office/drawing/2014/main" id="{6B66D8A9-D0E1-4E7B-AE53-610386ECA3AF}"/>
-              </a:ext>
-            </a:extLst>
-          </p:cNvPr>
+          <p:cNvPr id="4" name="Image 3" descr="Capture d’écran 2020-06-22 à 12.39.57.png"/>
           <p:cNvPicPr>
             <a:picLocks noChangeAspect="1"/>
           </p:cNvPicPr>
           <p:nvPr/>
         </p:nvPicPr>
         <p:blipFill>
-          <a:blip r:embed="rId2"/>
+          <a:blip r:embed="rId2">
+            <a:extLst>
+              <a:ext uri="{28A0092B-C50C-407E-A947-70E740481C1C}">
+                <a14:useLocalDpi xmlns:a14="http://schemas.microsoft.com/office/drawing/2010/main" val="0"/>
+              </a:ext>
+            </a:extLst>
+          </a:blip>
           <a:stretch>
             <a:fillRect/>
           </a:stretch>
         </p:blipFill>
         <p:spPr>
           <a:xfrm>
-            <a:off x="1718370" y="808948"/>
-            <a:ext cx="5707259" cy="3795823"/>
+            <a:off x="1099018" y="832840"/>
+            <a:ext cx="6972300" cy="3784600"/>
           </a:xfrm>
           <a:prstGeom prst="rect">
             <a:avLst/>
           </a:prstGeom>
         </p:spPr>
       </p:pic>
-      <p:sp>
-        <p:nvSpPr>
-          <p:cNvPr id="5" name="ZoneTexte 4"/>
-          <p:cNvSpPr txBox="1"/>
-          <p:nvPr/>
-        </p:nvSpPr>
-        <p:spPr>
-          <a:xfrm>
-            <a:off x="7193531" y="4298119"/>
-            <a:ext cx="364691" cy="246221"/>
-          </a:xfrm>
-          <a:prstGeom prst="rect">
-            <a:avLst/>
-          </a:prstGeom>
-          <a:solidFill>
-            <a:srgbClr val="FFFFFF"/>
-          </a:solidFill>
-        </p:spPr>
-        <p:txBody>
-          <a:bodyPr wrap="none" rtlCol="0">
-            <a:spAutoFit/>
-          </a:bodyPr>
-          <a:lstStyle/>
-          <a:p>
-            <a:r>
-              <a:rPr lang="fr-FR" sz="1000" dirty="0" err="1" smtClean="0"/>
-              <a:t>wSi</a:t>
-            </a:r>
-            <a:endParaRPr lang="fr-FR" sz="1000" dirty="0"/>
-          </a:p>
-        </p:txBody>
-      </p:sp>
     </p:spTree>
     <p:extLst>
       <p:ext uri="{BB962C8B-B14F-4D97-AF65-F5344CB8AC3E}">
-        <p14:creationId xmlns:p14="http://schemas.microsoft.com/office/powerpoint/2010/main" val="3374405318"/>
+        <p14:creationId xmlns:p14="http://schemas.microsoft.com/office/powerpoint/2010/main" val="3371571095"/>
       </p:ext>
     </p:extLst>
   </p:cSld>
@@ -6304,7 +6722,7 @@
   <a:extraClrSchemeLst/>
   <a:extLst>
     <a:ext uri="{05A4C25C-085E-4340-85A3-A5531E510DB2}">
-      <thm15:themeFamily xmlns="" xmlns:thm15="http://schemas.microsoft.com/office/thememl/2012/main" name="Retrospect" id="{5F128B03-DCCA-4EEB-AB3B-CF2899314A46}" vid="{3F1AAB62-24C6-49D2-8E01-B56FAC9A3DCD}"/>
+      <thm15:themeFamily xmlns:thm15="http://schemas.microsoft.com/office/thememl/2012/main" xmlns="" name="Retrospect" id="{5F128B03-DCCA-4EEB-AB3B-CF2899314A46}" vid="{3F1AAB62-24C6-49D2-8E01-B56FAC9A3DCD}"/>
     </a:ext>
   </a:extLst>
 </a:theme>
@@ -6616,7 +7034,7 @@
   <a:extraClrSchemeLst/>
   <a:extLst>
     <a:ext uri="{05A4C25C-085E-4340-85A3-A5531E510DB2}">
-      <thm15:themeFamily xmlns="" xmlns:thm15="http://schemas.microsoft.com/office/thememl/2012/main" name="Retrospect" id="{5F128B03-DCCA-4EEB-AB3B-CF2899314A46}" vid="{3F1AAB62-24C6-49D2-8E01-B56FAC9A3DCD}"/>
+      <thm15:themeFamily xmlns:thm15="http://schemas.microsoft.com/office/thememl/2012/main" xmlns="" name="Retrospect" id="{5F128B03-DCCA-4EEB-AB3B-CF2899314A46}" vid="{3F1AAB62-24C6-49D2-8E01-B56FAC9A3DCD}"/>
     </a:ext>
   </a:extLst>
 </a:theme>
@@ -6928,7 +7346,7 @@
   <a:extraClrSchemeLst/>
   <a:extLst>
     <a:ext uri="{05A4C25C-085E-4340-85A3-A5531E510DB2}">
-      <thm15:themeFamily xmlns="" xmlns:thm15="http://schemas.microsoft.com/office/thememl/2012/main" name="Retrospect" id="{5F128B03-DCCA-4EEB-AB3B-CF2899314A46}" vid="{3F1AAB62-24C6-49D2-8E01-B56FAC9A3DCD}"/>
+      <thm15:themeFamily xmlns:thm15="http://schemas.microsoft.com/office/thememl/2012/main" xmlns="" name="Retrospect" id="{5F128B03-DCCA-4EEB-AB3B-CF2899314A46}" vid="{3F1AAB62-24C6-49D2-8E01-B56FAC9A3DCD}"/>
     </a:ext>
   </a:extLst>
 </a:theme>
@@ -7223,7 +7641,7 @@
   <a:extraClrSchemeLst/>
   <a:extLst>
     <a:ext uri="{05A4C25C-085E-4340-85A3-A5531E510DB2}">
-      <thm15:themeFamily xmlns="" xmlns:thm15="http://schemas.microsoft.com/office/thememl/2012/main" name="Office Theme" id="{62F939B6-93AF-4DB8-9C6B-D6C7DFDC589F}" vid="{4A3C46E8-61CC-4603-A589-7422A47A8E4A}"/>
+      <thm15:themeFamily xmlns:thm15="http://schemas.microsoft.com/office/thememl/2012/main" xmlns="" name="Office Theme" id="{62F939B6-93AF-4DB8-9C6B-D6C7DFDC589F}" vid="{4A3C46E8-61CC-4603-A589-7422A47A8E4A}"/>
     </a:ext>
   </a:extLst>
 </a:theme>
